--- a/docs/editor_refactor_planning_v013.pptx
+++ b/docs/editor_refactor_planning_v013.pptx
@@ -6,7 +6,9 @@
   </p:sldMasterIdLst>
   <p:sldIdLst>
     <p:sldId id="257" r:id="rId2"/>
-    <p:sldId id="256" r:id="rId3"/>
+    <p:sldId id="258" r:id="rId3"/>
+    <p:sldId id="259" r:id="rId4"/>
+    <p:sldId id="260" r:id="rId5"/>
   </p:sldIdLst>
   <p:sldSz cx="12192000" cy="6858000"/>
   <p:notesSz cx="6858000" cy="9144000"/>
@@ -105,12 +107,18 @@
       </a:defRPr>
     </a:lvl9pPr>
   </p:defaultTextStyle>
+  <p:extLst>
+    <p:ext uri="{EFAFB233-063F-42B5-8137-9DF3F51BA10A}">
+      <p15:sldGuideLst xmlns:p15="http://schemas.microsoft.com/office/powerpoint/2012/main"/>
+    </p:ext>
+  </p:extLst>
 </p:presentation>
 </file>
 
 <file path=ppt/revisionInfo.xml><?xml version="1.0" encoding="utf-8"?>
 <p1510:revInfo xmlns:a="http://schemas.openxmlformats.org/drawingml/2006/main" xmlns:r="http://schemas.openxmlformats.org/officeDocument/2006/relationships" xmlns:p1510="http://schemas.microsoft.com/office/powerpoint/2015/10/main">
   <p1510:revLst>
+    <p1510:client id="{5B7A1986-E04A-491D-AA75-E996449E1375}" v="9" dt="2021-09-18T14:52:23.769"/>
     <p1510:client id="{AF23494C-5AF7-4485-A996-0757E1AA26CA}" v="7" dt="2021-09-18T13:36:22.131"/>
   </p1510:revLst>
 </p1510:revInfo>
@@ -118,6 +126,530 @@
 
 <file path=ppt/changesInfos/changesInfo1.xml><?xml version="1.0" encoding="utf-8"?>
 <pc:chgInfo xmlns:a="http://schemas.openxmlformats.org/drawingml/2006/main" xmlns:r="http://schemas.openxmlformats.org/officeDocument/2006/relationships" xmlns:ac="http://schemas.microsoft.com/office/drawing/2013/main/command" xmlns:pc="http://schemas.microsoft.com/office/powerpoint/2013/main/command">
+  <pc:docChgLst>
+    <pc:chgData name="Alonso Guerrero Llorente" userId="451d9a1c5f7013d1" providerId="LiveId" clId="{5B7A1986-E04A-491D-AA75-E996449E1375}"/>
+    <pc:docChg chg="undo redo custSel addSld delSld modSld sldOrd">
+      <pc:chgData name="Alonso Guerrero Llorente" userId="451d9a1c5f7013d1" providerId="LiveId" clId="{5B7A1986-E04A-491D-AA75-E996449E1375}" dt="2021-09-18T14:52:48.392" v="3410" actId="20577"/>
+      <pc:docMkLst>
+        <pc:docMk/>
+      </pc:docMkLst>
+      <pc:sldChg chg="addSp modSp del mod ord">
+        <pc:chgData name="Alonso Guerrero Llorente" userId="451d9a1c5f7013d1" providerId="LiveId" clId="{5B7A1986-E04A-491D-AA75-E996449E1375}" dt="2021-09-18T13:53:43.483" v="734" actId="47"/>
+        <pc:sldMkLst>
+          <pc:docMk/>
+          <pc:sldMk cId="2865029414" sldId="256"/>
+        </pc:sldMkLst>
+        <pc:spChg chg="add mod">
+          <ac:chgData name="Alonso Guerrero Llorente" userId="451d9a1c5f7013d1" providerId="LiveId" clId="{5B7A1986-E04A-491D-AA75-E996449E1375}" dt="2021-09-18T13:53:25.985" v="728" actId="1076"/>
+          <ac:spMkLst>
+            <pc:docMk/>
+            <pc:sldMk cId="2865029414" sldId="256"/>
+            <ac:spMk id="2" creationId="{87E089A6-D312-41C6-80B6-AD0D14714663}"/>
+          </ac:spMkLst>
+        </pc:spChg>
+        <pc:spChg chg="mod">
+          <ac:chgData name="Alonso Guerrero Llorente" userId="451d9a1c5f7013d1" providerId="LiveId" clId="{5B7A1986-E04A-491D-AA75-E996449E1375}" dt="2021-09-18T13:52:08.747" v="721" actId="27636"/>
+          <ac:spMkLst>
+            <pc:docMk/>
+            <pc:sldMk cId="2865029414" sldId="256"/>
+            <ac:spMk id="31" creationId="{2018646D-61A2-439E-9CA5-8DF2094220E8}"/>
+          </ac:spMkLst>
+        </pc:spChg>
+      </pc:sldChg>
+      <pc:sldChg chg="modSp mod">
+        <pc:chgData name="Alonso Guerrero Llorente" userId="451d9a1c5f7013d1" providerId="LiveId" clId="{5B7A1986-E04A-491D-AA75-E996449E1375}" dt="2021-09-18T13:52:50.172" v="727" actId="1076"/>
+        <pc:sldMkLst>
+          <pc:docMk/>
+          <pc:sldMk cId="724281595" sldId="257"/>
+        </pc:sldMkLst>
+        <pc:spChg chg="mod">
+          <ac:chgData name="Alonso Guerrero Llorente" userId="451d9a1c5f7013d1" providerId="LiveId" clId="{5B7A1986-E04A-491D-AA75-E996449E1375}" dt="2021-09-18T13:52:40.542" v="726" actId="14100"/>
+          <ac:spMkLst>
+            <pc:docMk/>
+            <pc:sldMk cId="724281595" sldId="257"/>
+            <ac:spMk id="2" creationId="{4FED6389-F8ED-4E07-82BB-F33034625644}"/>
+          </ac:spMkLst>
+        </pc:spChg>
+        <pc:spChg chg="mod">
+          <ac:chgData name="Alonso Guerrero Llorente" userId="451d9a1c5f7013d1" providerId="LiveId" clId="{5B7A1986-E04A-491D-AA75-E996449E1375}" dt="2021-09-18T13:52:50.172" v="727" actId="1076"/>
+          <ac:spMkLst>
+            <pc:docMk/>
+            <pc:sldMk cId="724281595" sldId="257"/>
+            <ac:spMk id="3" creationId="{C1D6759B-20E5-45CF-90DA-647D86D05E53}"/>
+          </ac:spMkLst>
+        </pc:spChg>
+        <pc:spChg chg="mod">
+          <ac:chgData name="Alonso Guerrero Llorente" userId="451d9a1c5f7013d1" providerId="LiveId" clId="{5B7A1986-E04A-491D-AA75-E996449E1375}" dt="2021-09-18T13:45:56.128" v="347" actId="20577"/>
+          <ac:spMkLst>
+            <pc:docMk/>
+            <pc:sldMk cId="724281595" sldId="257"/>
+            <ac:spMk id="5" creationId="{A9FBEA29-6377-4785-B716-7B4A0C07B75B}"/>
+          </ac:spMkLst>
+        </pc:spChg>
+      </pc:sldChg>
+      <pc:sldChg chg="addSp delSp modSp add mod">
+        <pc:chgData name="Alonso Guerrero Llorente" userId="451d9a1c5f7013d1" providerId="LiveId" clId="{5B7A1986-E04A-491D-AA75-E996449E1375}" dt="2021-09-18T14:47:44.470" v="3212" actId="20577"/>
+        <pc:sldMkLst>
+          <pc:docMk/>
+          <pc:sldMk cId="1559028484" sldId="258"/>
+        </pc:sldMkLst>
+        <pc:spChg chg="mod">
+          <ac:chgData name="Alonso Guerrero Llorente" userId="451d9a1c5f7013d1" providerId="LiveId" clId="{5B7A1986-E04A-491D-AA75-E996449E1375}" dt="2021-09-18T13:48:54.733" v="530" actId="115"/>
+          <ac:spMkLst>
+            <pc:docMk/>
+            <pc:sldMk cId="1559028484" sldId="258"/>
+            <ac:spMk id="2" creationId="{87E089A6-D312-41C6-80B6-AD0D14714663}"/>
+          </ac:spMkLst>
+        </pc:spChg>
+        <pc:spChg chg="add del mod">
+          <ac:chgData name="Alonso Guerrero Llorente" userId="451d9a1c5f7013d1" providerId="LiveId" clId="{5B7A1986-E04A-491D-AA75-E996449E1375}" dt="2021-09-18T13:49:47.636" v="555" actId="478"/>
+          <ac:spMkLst>
+            <pc:docMk/>
+            <pc:sldMk cId="1559028484" sldId="258"/>
+            <ac:spMk id="20" creationId="{2A11F3B5-A740-4FF2-89D6-C460445987D2}"/>
+          </ac:spMkLst>
+        </pc:spChg>
+        <pc:spChg chg="mod">
+          <ac:chgData name="Alonso Guerrero Llorente" userId="451d9a1c5f7013d1" providerId="LiveId" clId="{5B7A1986-E04A-491D-AA75-E996449E1375}" dt="2021-09-18T14:47:44.470" v="3212" actId="20577"/>
+          <ac:spMkLst>
+            <pc:docMk/>
+            <pc:sldMk cId="1559028484" sldId="258"/>
+            <ac:spMk id="30" creationId="{7A2CF401-5CBB-4916-9B62-F5D91A66EA90}"/>
+          </ac:spMkLst>
+        </pc:spChg>
+        <pc:spChg chg="mod">
+          <ac:chgData name="Alonso Guerrero Llorente" userId="451d9a1c5f7013d1" providerId="LiveId" clId="{5B7A1986-E04A-491D-AA75-E996449E1375}" dt="2021-09-18T13:52:29.976" v="723" actId="14100"/>
+          <ac:spMkLst>
+            <pc:docMk/>
+            <pc:sldMk cId="1559028484" sldId="258"/>
+            <ac:spMk id="31" creationId="{2018646D-61A2-439E-9CA5-8DF2094220E8}"/>
+          </ac:spMkLst>
+        </pc:spChg>
+      </pc:sldChg>
+      <pc:sldChg chg="addSp delSp modSp add mod">
+        <pc:chgData name="Alonso Guerrero Llorente" userId="451d9a1c5f7013d1" providerId="LiveId" clId="{5B7A1986-E04A-491D-AA75-E996449E1375}" dt="2021-09-18T14:52:48.392" v="3410" actId="20577"/>
+        <pc:sldMkLst>
+          <pc:docMk/>
+          <pc:sldMk cId="2371222994" sldId="259"/>
+        </pc:sldMkLst>
+        <pc:spChg chg="mod">
+          <ac:chgData name="Alonso Guerrero Llorente" userId="451d9a1c5f7013d1" providerId="LiveId" clId="{5B7A1986-E04A-491D-AA75-E996449E1375}" dt="2021-09-18T14:22:47.344" v="2105" actId="20577"/>
+          <ac:spMkLst>
+            <pc:docMk/>
+            <pc:sldMk cId="2371222994" sldId="259"/>
+            <ac:spMk id="2" creationId="{87E089A6-D312-41C6-80B6-AD0D14714663}"/>
+          </ac:spMkLst>
+        </pc:spChg>
+        <pc:spChg chg="add mod">
+          <ac:chgData name="Alonso Guerrero Llorente" userId="451d9a1c5f7013d1" providerId="LiveId" clId="{5B7A1986-E04A-491D-AA75-E996449E1375}" dt="2021-09-18T14:52:43.476" v="3408" actId="6549"/>
+          <ac:spMkLst>
+            <pc:docMk/>
+            <pc:sldMk cId="2371222994" sldId="259"/>
+            <ac:spMk id="4" creationId="{5CB7B6FB-45C1-44DA-BDCB-37BC5490A3AF}"/>
+          </ac:spMkLst>
+        </pc:spChg>
+        <pc:spChg chg="del">
+          <ac:chgData name="Alonso Guerrero Llorente" userId="451d9a1c5f7013d1" providerId="LiveId" clId="{5B7A1986-E04A-491D-AA75-E996449E1375}" dt="2021-09-18T14:11:07.215" v="1448" actId="478"/>
+          <ac:spMkLst>
+            <pc:docMk/>
+            <pc:sldMk cId="2371222994" sldId="259"/>
+            <ac:spMk id="7" creationId="{6697A117-B967-41C4-B8C8-AF7FE166CA71}"/>
+          </ac:spMkLst>
+        </pc:spChg>
+        <pc:spChg chg="del">
+          <ac:chgData name="Alonso Guerrero Llorente" userId="451d9a1c5f7013d1" providerId="LiveId" clId="{5B7A1986-E04A-491D-AA75-E996449E1375}" dt="2021-09-18T14:11:07.215" v="1448" actId="478"/>
+          <ac:spMkLst>
+            <pc:docMk/>
+            <pc:sldMk cId="2371222994" sldId="259"/>
+            <ac:spMk id="8" creationId="{E47B7C0F-F318-418C-ACED-BB32A6646C00}"/>
+          </ac:spMkLst>
+        </pc:spChg>
+        <pc:spChg chg="add mod">
+          <ac:chgData name="Alonso Guerrero Llorente" userId="451d9a1c5f7013d1" providerId="LiveId" clId="{5B7A1986-E04A-491D-AA75-E996449E1375}" dt="2021-09-18T14:52:19.521" v="3405"/>
+          <ac:spMkLst>
+            <pc:docMk/>
+            <pc:sldMk cId="2371222994" sldId="259"/>
+            <ac:spMk id="8" creationId="{FEFF4148-227D-430B-A119-1D23C07287E6}"/>
+          </ac:spMkLst>
+        </pc:spChg>
+        <pc:spChg chg="add mod">
+          <ac:chgData name="Alonso Guerrero Llorente" userId="451d9a1c5f7013d1" providerId="LiveId" clId="{5B7A1986-E04A-491D-AA75-E996449E1375}" dt="2021-09-18T14:52:19.521" v="3405"/>
+          <ac:spMkLst>
+            <pc:docMk/>
+            <pc:sldMk cId="2371222994" sldId="259"/>
+            <ac:spMk id="9" creationId="{8A06A466-22B4-4968-9585-399FDCFA27CE}"/>
+          </ac:spMkLst>
+        </pc:spChg>
+        <pc:spChg chg="add mod">
+          <ac:chgData name="Alonso Guerrero Llorente" userId="451d9a1c5f7013d1" providerId="LiveId" clId="{5B7A1986-E04A-491D-AA75-E996449E1375}" dt="2021-09-18T14:52:19.521" v="3405"/>
+          <ac:spMkLst>
+            <pc:docMk/>
+            <pc:sldMk cId="2371222994" sldId="259"/>
+            <ac:spMk id="11" creationId="{AF7CE5D9-79AD-4754-84B0-FD61D919FF03}"/>
+          </ac:spMkLst>
+        </pc:spChg>
+        <pc:spChg chg="del">
+          <ac:chgData name="Alonso Guerrero Llorente" userId="451d9a1c5f7013d1" providerId="LiveId" clId="{5B7A1986-E04A-491D-AA75-E996449E1375}" dt="2021-09-18T14:11:07.215" v="1448" actId="478"/>
+          <ac:spMkLst>
+            <pc:docMk/>
+            <pc:sldMk cId="2371222994" sldId="259"/>
+            <ac:spMk id="11" creationId="{BCFF19EA-BBEB-4AAA-BD5E-4F463FA7A7D7}"/>
+          </ac:spMkLst>
+        </pc:spChg>
+        <pc:spChg chg="del">
+          <ac:chgData name="Alonso Guerrero Llorente" userId="451d9a1c5f7013d1" providerId="LiveId" clId="{5B7A1986-E04A-491D-AA75-E996449E1375}" dt="2021-09-18T14:11:07.215" v="1448" actId="478"/>
+          <ac:spMkLst>
+            <pc:docMk/>
+            <pc:sldMk cId="2371222994" sldId="259"/>
+            <ac:spMk id="12" creationId="{C8101B03-7745-4D4E-A998-42E0649D8E02}"/>
+          </ac:spMkLst>
+        </pc:spChg>
+        <pc:spChg chg="add mod">
+          <ac:chgData name="Alonso Guerrero Llorente" userId="451d9a1c5f7013d1" providerId="LiveId" clId="{5B7A1986-E04A-491D-AA75-E996449E1375}" dt="2021-09-18T14:52:19.521" v="3405"/>
+          <ac:spMkLst>
+            <pc:docMk/>
+            <pc:sldMk cId="2371222994" sldId="259"/>
+            <ac:spMk id="12" creationId="{D83BC3E1-E2A0-411A-8DB2-7EE89B81DBE0}"/>
+          </ac:spMkLst>
+        </pc:spChg>
+        <pc:spChg chg="add mod">
+          <ac:chgData name="Alonso Guerrero Llorente" userId="451d9a1c5f7013d1" providerId="LiveId" clId="{5B7A1986-E04A-491D-AA75-E996449E1375}" dt="2021-09-18T14:52:19.521" v="3405"/>
+          <ac:spMkLst>
+            <pc:docMk/>
+            <pc:sldMk cId="2371222994" sldId="259"/>
+            <ac:spMk id="14" creationId="{E4C5160A-A09B-4EF1-8EC9-12438AF1CDD4}"/>
+          </ac:spMkLst>
+        </pc:spChg>
+        <pc:spChg chg="del">
+          <ac:chgData name="Alonso Guerrero Llorente" userId="451d9a1c5f7013d1" providerId="LiveId" clId="{5B7A1986-E04A-491D-AA75-E996449E1375}" dt="2021-09-18T14:11:07.215" v="1448" actId="478"/>
+          <ac:spMkLst>
+            <pc:docMk/>
+            <pc:sldMk cId="2371222994" sldId="259"/>
+            <ac:spMk id="15" creationId="{7C796A0F-AB5E-4A01-BBEC-219B99EA0843}"/>
+          </ac:spMkLst>
+        </pc:spChg>
+        <pc:spChg chg="add mod">
+          <ac:chgData name="Alonso Guerrero Llorente" userId="451d9a1c5f7013d1" providerId="LiveId" clId="{5B7A1986-E04A-491D-AA75-E996449E1375}" dt="2021-09-18T14:52:19.521" v="3405"/>
+          <ac:spMkLst>
+            <pc:docMk/>
+            <pc:sldMk cId="2371222994" sldId="259"/>
+            <ac:spMk id="15" creationId="{DD575799-741C-4BBC-A31A-980E9EF46F8A}"/>
+          </ac:spMkLst>
+        </pc:spChg>
+        <pc:spChg chg="del">
+          <ac:chgData name="Alonso Guerrero Llorente" userId="451d9a1c5f7013d1" providerId="LiveId" clId="{5B7A1986-E04A-491D-AA75-E996449E1375}" dt="2021-09-18T14:11:07.215" v="1448" actId="478"/>
+          <ac:spMkLst>
+            <pc:docMk/>
+            <pc:sldMk cId="2371222994" sldId="259"/>
+            <ac:spMk id="16" creationId="{25AFFEC0-7D86-4D9B-9D31-DFFF82B0388E}"/>
+          </ac:spMkLst>
+        </pc:spChg>
+        <pc:spChg chg="add mod">
+          <ac:chgData name="Alonso Guerrero Llorente" userId="451d9a1c5f7013d1" providerId="LiveId" clId="{5B7A1986-E04A-491D-AA75-E996449E1375}" dt="2021-09-18T14:52:19.521" v="3405"/>
+          <ac:spMkLst>
+            <pc:docMk/>
+            <pc:sldMk cId="2371222994" sldId="259"/>
+            <ac:spMk id="16" creationId="{35652059-686B-4C2B-8A5D-E67C091BCA74}"/>
+          </ac:spMkLst>
+        </pc:spChg>
+        <pc:spChg chg="add mod">
+          <ac:chgData name="Alonso Guerrero Llorente" userId="451d9a1c5f7013d1" providerId="LiveId" clId="{5B7A1986-E04A-491D-AA75-E996449E1375}" dt="2021-09-18T14:52:19.521" v="3405"/>
+          <ac:spMkLst>
+            <pc:docMk/>
+            <pc:sldMk cId="2371222994" sldId="259"/>
+            <ac:spMk id="17" creationId="{0611A2FD-AC55-4B67-BC89-264CF1A7D2A5}"/>
+          </ac:spMkLst>
+        </pc:spChg>
+        <pc:spChg chg="add mod">
+          <ac:chgData name="Alonso Guerrero Llorente" userId="451d9a1c5f7013d1" providerId="LiveId" clId="{5B7A1986-E04A-491D-AA75-E996449E1375}" dt="2021-09-18T14:52:19.521" v="3405"/>
+          <ac:spMkLst>
+            <pc:docMk/>
+            <pc:sldMk cId="2371222994" sldId="259"/>
+            <ac:spMk id="18" creationId="{3E887AE9-2381-4254-9C5E-E386B7135B6D}"/>
+          </ac:spMkLst>
+        </pc:spChg>
+        <pc:spChg chg="add mod">
+          <ac:chgData name="Alonso Guerrero Llorente" userId="451d9a1c5f7013d1" providerId="LiveId" clId="{5B7A1986-E04A-491D-AA75-E996449E1375}" dt="2021-09-18T14:52:48.392" v="3410" actId="20577"/>
+          <ac:spMkLst>
+            <pc:docMk/>
+            <pc:sldMk cId="2371222994" sldId="259"/>
+            <ac:spMk id="19" creationId="{2AB783C4-D0BF-4083-9B22-4DD24874ADB6}"/>
+          </ac:spMkLst>
+        </pc:spChg>
+        <pc:spChg chg="del">
+          <ac:chgData name="Alonso Guerrero Llorente" userId="451d9a1c5f7013d1" providerId="LiveId" clId="{5B7A1986-E04A-491D-AA75-E996449E1375}" dt="2021-09-18T14:11:07.215" v="1448" actId="478"/>
+          <ac:spMkLst>
+            <pc:docMk/>
+            <pc:sldMk cId="2371222994" sldId="259"/>
+            <ac:spMk id="27" creationId="{ABDB7C55-2A2B-4712-883C-A367358C2221}"/>
+          </ac:spMkLst>
+        </pc:spChg>
+        <pc:spChg chg="del">
+          <ac:chgData name="Alonso Guerrero Llorente" userId="451d9a1c5f7013d1" providerId="LiveId" clId="{5B7A1986-E04A-491D-AA75-E996449E1375}" dt="2021-09-18T14:11:07.215" v="1448" actId="478"/>
+          <ac:spMkLst>
+            <pc:docMk/>
+            <pc:sldMk cId="2371222994" sldId="259"/>
+            <ac:spMk id="28" creationId="{41852438-58AF-48A8-BF11-D60F0721A029}"/>
+          </ac:spMkLst>
+        </pc:spChg>
+        <pc:spChg chg="del">
+          <ac:chgData name="Alonso Guerrero Llorente" userId="451d9a1c5f7013d1" providerId="LiveId" clId="{5B7A1986-E04A-491D-AA75-E996449E1375}" dt="2021-09-18T14:11:07.215" v="1448" actId="478"/>
+          <ac:spMkLst>
+            <pc:docMk/>
+            <pc:sldMk cId="2371222994" sldId="259"/>
+            <ac:spMk id="29" creationId="{03056E0A-69DD-4547-92F6-0393A2A9DC3A}"/>
+          </ac:spMkLst>
+        </pc:spChg>
+        <pc:spChg chg="del mod">
+          <ac:chgData name="Alonso Guerrero Llorente" userId="451d9a1c5f7013d1" providerId="LiveId" clId="{5B7A1986-E04A-491D-AA75-E996449E1375}" dt="2021-09-18T14:22:51.586" v="2107" actId="478"/>
+          <ac:spMkLst>
+            <pc:docMk/>
+            <pc:sldMk cId="2371222994" sldId="259"/>
+            <ac:spMk id="30" creationId="{7A2CF401-5CBB-4916-9B62-F5D91A66EA90}"/>
+          </ac:spMkLst>
+        </pc:spChg>
+        <pc:spChg chg="mod">
+          <ac:chgData name="Alonso Guerrero Llorente" userId="451d9a1c5f7013d1" providerId="LiveId" clId="{5B7A1986-E04A-491D-AA75-E996449E1375}" dt="2021-09-18T14:11:01.727" v="1447" actId="1076"/>
+          <ac:spMkLst>
+            <pc:docMk/>
+            <pc:sldMk cId="2371222994" sldId="259"/>
+            <ac:spMk id="31" creationId="{2018646D-61A2-439E-9CA5-8DF2094220E8}"/>
+          </ac:spMkLst>
+        </pc:spChg>
+        <pc:cxnChg chg="add mod">
+          <ac:chgData name="Alonso Guerrero Llorente" userId="451d9a1c5f7013d1" providerId="LiveId" clId="{5B7A1986-E04A-491D-AA75-E996449E1375}" dt="2021-09-18T14:52:19.521" v="3405"/>
+          <ac:cxnSpMkLst>
+            <pc:docMk/>
+            <pc:sldMk cId="2371222994" sldId="259"/>
+            <ac:cxnSpMk id="5" creationId="{3B41CE6A-9CE1-4AB1-A324-6CE1380381CA}"/>
+          </ac:cxnSpMkLst>
+        </pc:cxnChg>
+        <pc:cxnChg chg="del mod">
+          <ac:chgData name="Alonso Guerrero Llorente" userId="451d9a1c5f7013d1" providerId="LiveId" clId="{5B7A1986-E04A-491D-AA75-E996449E1375}" dt="2021-09-18T14:11:07.215" v="1448" actId="478"/>
+          <ac:cxnSpMkLst>
+            <pc:docMk/>
+            <pc:sldMk cId="2371222994" sldId="259"/>
+            <ac:cxnSpMk id="5" creationId="{C0867331-2961-462D-ADF9-83D921BCDBA9}"/>
+          </ac:cxnSpMkLst>
+        </pc:cxnChg>
+        <pc:cxnChg chg="add mod">
+          <ac:chgData name="Alonso Guerrero Llorente" userId="451d9a1c5f7013d1" providerId="LiveId" clId="{5B7A1986-E04A-491D-AA75-E996449E1375}" dt="2021-09-18T14:52:19.521" v="3405"/>
+          <ac:cxnSpMkLst>
+            <pc:docMk/>
+            <pc:sldMk cId="2371222994" sldId="259"/>
+            <ac:cxnSpMk id="6" creationId="{22E2C739-4572-4FB9-91D9-CC0BF0F0F06F}"/>
+          </ac:cxnSpMkLst>
+        </pc:cxnChg>
+        <pc:cxnChg chg="add mod">
+          <ac:chgData name="Alonso Guerrero Llorente" userId="451d9a1c5f7013d1" providerId="LiveId" clId="{5B7A1986-E04A-491D-AA75-E996449E1375}" dt="2021-09-18T14:52:19.521" v="3405"/>
+          <ac:cxnSpMkLst>
+            <pc:docMk/>
+            <pc:sldMk cId="2371222994" sldId="259"/>
+            <ac:cxnSpMk id="7" creationId="{9F2A3361-19AE-47C9-B51A-471305AEE0FE}"/>
+          </ac:cxnSpMkLst>
+        </pc:cxnChg>
+        <pc:cxnChg chg="add mod">
+          <ac:chgData name="Alonso Guerrero Llorente" userId="451d9a1c5f7013d1" providerId="LiveId" clId="{5B7A1986-E04A-491D-AA75-E996449E1375}" dt="2021-09-18T14:52:19.521" v="3405"/>
+          <ac:cxnSpMkLst>
+            <pc:docMk/>
+            <pc:sldMk cId="2371222994" sldId="259"/>
+            <ac:cxnSpMk id="10" creationId="{8A4B1FCC-A00B-4026-B8DF-3DFA884E0A0B}"/>
+          </ac:cxnSpMkLst>
+        </pc:cxnChg>
+        <pc:cxnChg chg="del mod">
+          <ac:chgData name="Alonso Guerrero Llorente" userId="451d9a1c5f7013d1" providerId="LiveId" clId="{5B7A1986-E04A-491D-AA75-E996449E1375}" dt="2021-09-18T14:11:07.215" v="1448" actId="478"/>
+          <ac:cxnSpMkLst>
+            <pc:docMk/>
+            <pc:sldMk cId="2371222994" sldId="259"/>
+            <ac:cxnSpMk id="10" creationId="{B8F8AD20-F0FB-4787-9667-D7E74BEEC70A}"/>
+          </ac:cxnSpMkLst>
+        </pc:cxnChg>
+        <pc:cxnChg chg="add mod">
+          <ac:chgData name="Alonso Guerrero Llorente" userId="451d9a1c5f7013d1" providerId="LiveId" clId="{5B7A1986-E04A-491D-AA75-E996449E1375}" dt="2021-09-18T14:52:19.521" v="3405"/>
+          <ac:cxnSpMkLst>
+            <pc:docMk/>
+            <pc:sldMk cId="2371222994" sldId="259"/>
+            <ac:cxnSpMk id="13" creationId="{862FCEF1-070A-4D6B-9FD1-02F74BE15526}"/>
+          </ac:cxnSpMkLst>
+        </pc:cxnChg>
+        <pc:cxnChg chg="del mod">
+          <ac:chgData name="Alonso Guerrero Llorente" userId="451d9a1c5f7013d1" providerId="LiveId" clId="{5B7A1986-E04A-491D-AA75-E996449E1375}" dt="2021-09-18T14:11:07.215" v="1448" actId="478"/>
+          <ac:cxnSpMkLst>
+            <pc:docMk/>
+            <pc:sldMk cId="2371222994" sldId="259"/>
+            <ac:cxnSpMk id="14" creationId="{4C7A9344-3F4E-4ECC-9DD8-BB445E877557}"/>
+          </ac:cxnSpMkLst>
+        </pc:cxnChg>
+        <pc:cxnChg chg="del mod">
+          <ac:chgData name="Alonso Guerrero Llorente" userId="451d9a1c5f7013d1" providerId="LiveId" clId="{5B7A1986-E04A-491D-AA75-E996449E1375}" dt="2021-09-18T14:11:07.215" v="1448" actId="478"/>
+          <ac:cxnSpMkLst>
+            <pc:docMk/>
+            <pc:sldMk cId="2371222994" sldId="259"/>
+            <ac:cxnSpMk id="19" creationId="{A7CCE643-DFFB-4C10-AC45-A78E034267DD}"/>
+          </ac:cxnSpMkLst>
+        </pc:cxnChg>
+        <pc:cxnChg chg="del mod">
+          <ac:chgData name="Alonso Guerrero Llorente" userId="451d9a1c5f7013d1" providerId="LiveId" clId="{5B7A1986-E04A-491D-AA75-E996449E1375}" dt="2021-09-18T14:11:07.215" v="1448" actId="478"/>
+          <ac:cxnSpMkLst>
+            <pc:docMk/>
+            <pc:sldMk cId="2371222994" sldId="259"/>
+            <ac:cxnSpMk id="23" creationId="{269ADC1F-92B1-4D2C-9AEB-5946F90367B8}"/>
+          </ac:cxnSpMkLst>
+        </pc:cxnChg>
+      </pc:sldChg>
+      <pc:sldChg chg="addSp delSp modSp add mod">
+        <pc:chgData name="Alonso Guerrero Llorente" userId="451d9a1c5f7013d1" providerId="LiveId" clId="{5B7A1986-E04A-491D-AA75-E996449E1375}" dt="2021-09-18T14:27:38.626" v="2259" actId="20577"/>
+        <pc:sldMkLst>
+          <pc:docMk/>
+          <pc:sldMk cId="1900361303" sldId="260"/>
+        </pc:sldMkLst>
+        <pc:spChg chg="mod">
+          <ac:chgData name="Alonso Guerrero Llorente" userId="451d9a1c5f7013d1" providerId="LiveId" clId="{5B7A1986-E04A-491D-AA75-E996449E1375}" dt="2021-09-18T14:21:12.772" v="1801" actId="20577"/>
+          <ac:spMkLst>
+            <pc:docMk/>
+            <pc:sldMk cId="1900361303" sldId="260"/>
+            <ac:spMk id="2" creationId="{87E089A6-D312-41C6-80B6-AD0D14714663}"/>
+          </ac:spMkLst>
+        </pc:spChg>
+        <pc:spChg chg="add mod">
+          <ac:chgData name="Alonso Guerrero Llorente" userId="451d9a1c5f7013d1" providerId="LiveId" clId="{5B7A1986-E04A-491D-AA75-E996449E1375}" dt="2021-09-18T14:23:02.452" v="2109"/>
+          <ac:spMkLst>
+            <pc:docMk/>
+            <pc:sldMk cId="1900361303" sldId="260"/>
+            <ac:spMk id="8" creationId="{120B4843-3470-46A5-9EA8-3AE4BA5EB11E}"/>
+          </ac:spMkLst>
+        </pc:spChg>
+        <pc:spChg chg="add mod">
+          <ac:chgData name="Alonso Guerrero Llorente" userId="451d9a1c5f7013d1" providerId="LiveId" clId="{5B7A1986-E04A-491D-AA75-E996449E1375}" dt="2021-09-18T14:23:02.452" v="2109"/>
+          <ac:spMkLst>
+            <pc:docMk/>
+            <pc:sldMk cId="1900361303" sldId="260"/>
+            <ac:spMk id="9" creationId="{1842583B-FC0F-4806-BD6A-CB66975CE962}"/>
+          </ac:spMkLst>
+        </pc:spChg>
+        <pc:spChg chg="add mod">
+          <ac:chgData name="Alonso Guerrero Llorente" userId="451d9a1c5f7013d1" providerId="LiveId" clId="{5B7A1986-E04A-491D-AA75-E996449E1375}" dt="2021-09-18T14:23:02.452" v="2109"/>
+          <ac:spMkLst>
+            <pc:docMk/>
+            <pc:sldMk cId="1900361303" sldId="260"/>
+            <ac:spMk id="11" creationId="{F1627A5F-B4CD-40D8-9D92-48B4F9C6FDF1}"/>
+          </ac:spMkLst>
+        </pc:spChg>
+        <pc:spChg chg="add mod">
+          <ac:chgData name="Alonso Guerrero Llorente" userId="451d9a1c5f7013d1" providerId="LiveId" clId="{5B7A1986-E04A-491D-AA75-E996449E1375}" dt="2021-09-18T14:23:02.452" v="2109"/>
+          <ac:spMkLst>
+            <pc:docMk/>
+            <pc:sldMk cId="1900361303" sldId="260"/>
+            <ac:spMk id="12" creationId="{E0BDB125-AD91-4B55-A10A-99C1E88E68F4}"/>
+          </ac:spMkLst>
+        </pc:spChg>
+        <pc:spChg chg="add mod">
+          <ac:chgData name="Alonso Guerrero Llorente" userId="451d9a1c5f7013d1" providerId="LiveId" clId="{5B7A1986-E04A-491D-AA75-E996449E1375}" dt="2021-09-18T14:23:02.452" v="2109"/>
+          <ac:spMkLst>
+            <pc:docMk/>
+            <pc:sldMk cId="1900361303" sldId="260"/>
+            <ac:spMk id="14" creationId="{0464792B-FC0A-4EF1-9D39-29DD44B69951}"/>
+          </ac:spMkLst>
+        </pc:spChg>
+        <pc:spChg chg="add mod">
+          <ac:chgData name="Alonso Guerrero Llorente" userId="451d9a1c5f7013d1" providerId="LiveId" clId="{5B7A1986-E04A-491D-AA75-E996449E1375}" dt="2021-09-18T14:23:02.452" v="2109"/>
+          <ac:spMkLst>
+            <pc:docMk/>
+            <pc:sldMk cId="1900361303" sldId="260"/>
+            <ac:spMk id="15" creationId="{C118A9F9-8F7E-460E-BEFC-6B415D22CACC}"/>
+          </ac:spMkLst>
+        </pc:spChg>
+        <pc:spChg chg="add mod">
+          <ac:chgData name="Alonso Guerrero Llorente" userId="451d9a1c5f7013d1" providerId="LiveId" clId="{5B7A1986-E04A-491D-AA75-E996449E1375}" dt="2021-09-18T14:23:02.452" v="2109"/>
+          <ac:spMkLst>
+            <pc:docMk/>
+            <pc:sldMk cId="1900361303" sldId="260"/>
+            <ac:spMk id="16" creationId="{45597196-0F2D-46F2-BECC-E79BC3008457}"/>
+          </ac:spMkLst>
+        </pc:spChg>
+        <pc:spChg chg="add mod">
+          <ac:chgData name="Alonso Guerrero Llorente" userId="451d9a1c5f7013d1" providerId="LiveId" clId="{5B7A1986-E04A-491D-AA75-E996449E1375}" dt="2021-09-18T14:23:02.452" v="2109"/>
+          <ac:spMkLst>
+            <pc:docMk/>
+            <pc:sldMk cId="1900361303" sldId="260"/>
+            <ac:spMk id="17" creationId="{B816283D-650E-4227-B734-6042CF25C9A4}"/>
+          </ac:spMkLst>
+        </pc:spChg>
+        <pc:spChg chg="add mod">
+          <ac:chgData name="Alonso Guerrero Llorente" userId="451d9a1c5f7013d1" providerId="LiveId" clId="{5B7A1986-E04A-491D-AA75-E996449E1375}" dt="2021-09-18T14:23:02.452" v="2109"/>
+          <ac:spMkLst>
+            <pc:docMk/>
+            <pc:sldMk cId="1900361303" sldId="260"/>
+            <ac:spMk id="18" creationId="{7767912F-1CF6-4DBA-A4E6-093012C1BA0A}"/>
+          </ac:spMkLst>
+        </pc:spChg>
+        <pc:spChg chg="add del mod">
+          <ac:chgData name="Alonso Guerrero Llorente" userId="451d9a1c5f7013d1" providerId="LiveId" clId="{5B7A1986-E04A-491D-AA75-E996449E1375}" dt="2021-09-18T14:27:38.626" v="2259" actId="20577"/>
+          <ac:spMkLst>
+            <pc:docMk/>
+            <pc:sldMk cId="1900361303" sldId="260"/>
+            <ac:spMk id="19" creationId="{FC67093E-B9EC-44F8-81A0-F53B3B2A28B6}"/>
+          </ac:spMkLst>
+        </pc:spChg>
+        <pc:spChg chg="del">
+          <ac:chgData name="Alonso Guerrero Llorente" userId="451d9a1c5f7013d1" providerId="LiveId" clId="{5B7A1986-E04A-491D-AA75-E996449E1375}" dt="2021-09-18T14:23:01.698" v="2108" actId="478"/>
+          <ac:spMkLst>
+            <pc:docMk/>
+            <pc:sldMk cId="1900361303" sldId="260"/>
+            <ac:spMk id="30" creationId="{7A2CF401-5CBB-4916-9B62-F5D91A66EA90}"/>
+          </ac:spMkLst>
+        </pc:spChg>
+        <pc:spChg chg="mod">
+          <ac:chgData name="Alonso Guerrero Llorente" userId="451d9a1c5f7013d1" providerId="LiveId" clId="{5B7A1986-E04A-491D-AA75-E996449E1375}" dt="2021-09-18T14:20:02.770" v="1644" actId="20577"/>
+          <ac:spMkLst>
+            <pc:docMk/>
+            <pc:sldMk cId="1900361303" sldId="260"/>
+            <ac:spMk id="31" creationId="{2018646D-61A2-439E-9CA5-8DF2094220E8}"/>
+          </ac:spMkLst>
+        </pc:spChg>
+        <pc:cxnChg chg="add mod">
+          <ac:chgData name="Alonso Guerrero Llorente" userId="451d9a1c5f7013d1" providerId="LiveId" clId="{5B7A1986-E04A-491D-AA75-E996449E1375}" dt="2021-09-18T14:23:02.452" v="2109"/>
+          <ac:cxnSpMkLst>
+            <pc:docMk/>
+            <pc:sldMk cId="1900361303" sldId="260"/>
+            <ac:cxnSpMk id="5" creationId="{66C11778-6EA0-486B-8EEF-F9A337C7ECBE}"/>
+          </ac:cxnSpMkLst>
+        </pc:cxnChg>
+        <pc:cxnChg chg="add mod">
+          <ac:chgData name="Alonso Guerrero Llorente" userId="451d9a1c5f7013d1" providerId="LiveId" clId="{5B7A1986-E04A-491D-AA75-E996449E1375}" dt="2021-09-18T14:23:02.452" v="2109"/>
+          <ac:cxnSpMkLst>
+            <pc:docMk/>
+            <pc:sldMk cId="1900361303" sldId="260"/>
+            <ac:cxnSpMk id="6" creationId="{7C5C9B77-649F-4D56-8593-127CE23CC979}"/>
+          </ac:cxnSpMkLst>
+        </pc:cxnChg>
+        <pc:cxnChg chg="add mod">
+          <ac:chgData name="Alonso Guerrero Llorente" userId="451d9a1c5f7013d1" providerId="LiveId" clId="{5B7A1986-E04A-491D-AA75-E996449E1375}" dt="2021-09-18T14:23:02.452" v="2109"/>
+          <ac:cxnSpMkLst>
+            <pc:docMk/>
+            <pc:sldMk cId="1900361303" sldId="260"/>
+            <ac:cxnSpMk id="7" creationId="{14A3CE0E-6680-442E-8732-24D1F9436856}"/>
+          </ac:cxnSpMkLst>
+        </pc:cxnChg>
+        <pc:cxnChg chg="add mod">
+          <ac:chgData name="Alonso Guerrero Llorente" userId="451d9a1c5f7013d1" providerId="LiveId" clId="{5B7A1986-E04A-491D-AA75-E996449E1375}" dt="2021-09-18T14:23:02.452" v="2109"/>
+          <ac:cxnSpMkLst>
+            <pc:docMk/>
+            <pc:sldMk cId="1900361303" sldId="260"/>
+            <ac:cxnSpMk id="10" creationId="{F4BB3F35-8784-4350-866A-91AC886F4326}"/>
+          </ac:cxnSpMkLst>
+        </pc:cxnChg>
+        <pc:cxnChg chg="add mod">
+          <ac:chgData name="Alonso Guerrero Llorente" userId="451d9a1c5f7013d1" providerId="LiveId" clId="{5B7A1986-E04A-491D-AA75-E996449E1375}" dt="2021-09-18T14:23:02.452" v="2109"/>
+          <ac:cxnSpMkLst>
+            <pc:docMk/>
+            <pc:sldMk cId="1900361303" sldId="260"/>
+            <ac:cxnSpMk id="13" creationId="{84465C41-CB5A-4241-AADC-FC67577C6DE5}"/>
+          </ac:cxnSpMkLst>
+        </pc:cxnChg>
+      </pc:sldChg>
+    </pc:docChg>
+  </pc:docChgLst>
   <pc:docChgLst>
     <pc:chgData name="Alonso Guerrero Llorente" userId="451d9a1c5f7013d1" providerId="LiveId" clId="{AF23494C-5AF7-4485-A996-0757E1AA26CA}"/>
     <pc:docChg chg="undo custSel addSld modSld sldOrd">
@@ -3536,24 +4068,26 @@
         </p:nvSpPr>
         <p:spPr>
           <a:xfrm>
-            <a:off x="838200" y="45243"/>
-            <a:ext cx="4900863" cy="1325563"/>
+            <a:off x="201336" y="45243"/>
+            <a:ext cx="5537727" cy="1325563"/>
           </a:xfrm>
         </p:spPr>
         <p:txBody>
-          <a:bodyPr/>
+          <a:bodyPr>
+            <a:normAutofit fontScale="90000"/>
+          </a:bodyPr>
           <a:lstStyle/>
           <a:p>
             <a:r>
-              <a:rPr lang="es-ES" dirty="0"/>
+              <a:rPr lang="es-ES" sz="6000" dirty="0"/>
               <a:t>editor.js </a:t>
             </a:r>
             <a:r>
-              <a:rPr lang="es-ES" dirty="0" err="1"/>
+              <a:rPr lang="es-ES" sz="6000" dirty="0" err="1"/>
               <a:t>refactoring</a:t>
             </a:r>
             <a:r>
-              <a:rPr lang="es-ES" dirty="0"/>
+              <a:rPr lang="es-ES" sz="6000" dirty="0"/>
               <a:t> </a:t>
             </a:r>
           </a:p>
@@ -3577,7 +4111,7 @@
         </p:nvSpPr>
         <p:spPr>
           <a:xfrm>
-            <a:off x="588293" y="1124868"/>
+            <a:off x="269861" y="1253331"/>
             <a:ext cx="5400675" cy="4351338"/>
           </a:xfrm>
         </p:spPr>
@@ -3936,7 +4470,7 @@
           <a:p>
             <a:r>
               <a:rPr lang="en-US" sz="2400" dirty="0"/>
-              <a:t>Create a proper data structure to store tracks, map and chart. </a:t>
+              <a:t>Create a proper data structure to store tracks, map, chart and links.</a:t>
             </a:r>
           </a:p>
           <a:p>
@@ -4669,7 +5203,7 @@
         <p:spPr>
           <a:xfrm>
             <a:off x="455409" y="2397948"/>
-            <a:ext cx="9748373" cy="2554545"/>
+            <a:ext cx="9748373" cy="4031873"/>
           </a:xfrm>
           <a:prstGeom prst="rect">
             <a:avLst/>
@@ -4683,36 +5217,108 @@
           <a:lstStyle/>
           <a:p>
             <a:r>
-              <a:rPr lang="es-ES" sz="2000" dirty="0">
+              <a:rPr lang="es-ES" sz="1600" dirty="0">
                 <a:latin typeface="Ubuntu" panose="020B0504030602030204" pitchFamily="34" charset="0"/>
               </a:rPr>
               <a:t>/editor/</a:t>
             </a:r>
             <a:r>
-              <a:rPr lang="es-ES" sz="2000" dirty="0" err="1">
+              <a:rPr lang="es-ES" sz="1600" dirty="0" err="1">
                 <a:latin typeface="Ubuntu" panose="020B0504030602030204" pitchFamily="34" charset="0"/>
               </a:rPr>
               <a:t>get_track</a:t>
             </a:r>
-            <a:endParaRPr lang="es-ES" sz="2000" dirty="0">
+            <a:r>
+              <a:rPr lang="es-ES" sz="1600" dirty="0">
+                <a:latin typeface="Ubuntu" panose="020B0504030602030204" pitchFamily="34" charset="0"/>
+              </a:rPr>
+              <a:t> </a:t>
+            </a:r>
+            <a:r>
+              <a:rPr lang="es-ES" sz="1600" dirty="0">
+                <a:latin typeface="Ubuntu" panose="020B0504030602030204" pitchFamily="34" charset="0"/>
+                <a:sym typeface="Wingdings" panose="05000000000000000000" pitchFamily="2" charset="2"/>
+              </a:rPr>
+              <a:t></a:t>
+            </a:r>
+            <a:r>
+              <a:rPr lang="es-ES" sz="1600" dirty="0" err="1">
+                <a:latin typeface="Ubuntu" panose="020B0504030602030204" pitchFamily="34" charset="0"/>
+                <a:sym typeface="Wingdings" panose="05000000000000000000" pitchFamily="2" charset="2"/>
+              </a:rPr>
+              <a:t>track</a:t>
+            </a:r>
+            <a:r>
+              <a:rPr lang="es-ES" sz="1600" dirty="0">
+                <a:latin typeface="Ubuntu" panose="020B0504030602030204" pitchFamily="34" charset="0"/>
+                <a:sym typeface="Wingdings" panose="05000000000000000000" pitchFamily="2" charset="2"/>
+              </a:rPr>
+              <a:t> </a:t>
+            </a:r>
+            <a:r>
+              <a:rPr lang="es-ES" sz="1600" dirty="0" err="1">
+                <a:latin typeface="Ubuntu" panose="020B0504030602030204" pitchFamily="34" charset="0"/>
+                <a:sym typeface="Wingdings" panose="05000000000000000000" pitchFamily="2" charset="2"/>
+              </a:rPr>
+              <a:t>structure</a:t>
+            </a:r>
+            <a:endParaRPr lang="es-ES" sz="1600" dirty="0">
               <a:latin typeface="Ubuntu" panose="020B0504030602030204" pitchFamily="34" charset="0"/>
             </a:endParaRPr>
           </a:p>
           <a:p>
             <a:r>
-              <a:rPr lang="es-ES" sz="2000" dirty="0">
+              <a:rPr lang="es-ES" sz="1600" dirty="0">
                 <a:latin typeface="Ubuntu" panose="020B0504030602030204" pitchFamily="34" charset="0"/>
               </a:rPr>
               <a:t>{</a:t>
             </a:r>
             <a:r>
-              <a:rPr lang="es-ES" sz="2000" dirty="0" err="1">
+              <a:rPr lang="es-ES" sz="1600" dirty="0" err="1">
+                <a:latin typeface="Ubuntu" panose="020B0504030602030204" pitchFamily="34" charset="0"/>
+              </a:rPr>
+              <a:t>title</a:t>
+            </a:r>
+            <a:r>
+              <a:rPr lang="es-ES" sz="1600" dirty="0">
+                <a:latin typeface="Ubuntu" panose="020B0504030602030204" pitchFamily="34" charset="0"/>
+              </a:rPr>
+              <a:t>: </a:t>
+            </a:r>
+            <a:r>
+              <a:rPr lang="es-ES" sz="1600" dirty="0" err="1">
+                <a:latin typeface="Ubuntu" panose="020B0504030602030204" pitchFamily="34" charset="0"/>
+              </a:rPr>
+              <a:t>my</a:t>
+            </a:r>
+            <a:r>
+              <a:rPr lang="es-ES" sz="1600" dirty="0">
+                <a:latin typeface="Ubuntu" panose="020B0504030602030204" pitchFamily="34" charset="0"/>
+              </a:rPr>
+              <a:t> </a:t>
+            </a:r>
+            <a:r>
+              <a:rPr lang="es-ES" sz="1600" dirty="0" err="1">
+                <a:latin typeface="Ubuntu" panose="020B0504030602030204" pitchFamily="34" charset="0"/>
+              </a:rPr>
+              <a:t>track</a:t>
+            </a:r>
+            <a:r>
+              <a:rPr lang="es-ES" sz="1600" dirty="0">
+                <a:latin typeface="Ubuntu" panose="020B0504030602030204" pitchFamily="34" charset="0"/>
+              </a:rPr>
+              <a:t>,</a:t>
+            </a:r>
+          </a:p>
+          <a:p>
+            <a:r>
+              <a:rPr lang="es-ES" sz="1600" dirty="0" err="1">
                 <a:latin typeface="Ubuntu" panose="020B0504030602030204" pitchFamily="34" charset="0"/>
               </a:rPr>
               <a:t>segments</a:t>
             </a:r>
             <a:r>
-              <a:rPr lang="es-ES" sz="2000" dirty="0">
+              <a:rPr lang="es-ES" sz="1600" dirty="0">
                 <a:latin typeface="Ubuntu" panose="020B0504030602030204" pitchFamily="34" charset="0"/>
               </a:rPr>
               <a:t>: [</a:t>
@@ -4720,111 +5326,123 @@
           </a:p>
           <a:p>
             <a:r>
-              <a:rPr lang="es-ES" sz="2000" dirty="0">
+              <a:rPr lang="es-ES" sz="1600" dirty="0">
                 <a:latin typeface="Ubuntu" panose="020B0504030602030204" pitchFamily="34" charset="0"/>
               </a:rPr>
               <a:t>   {</a:t>
             </a:r>
             <a:r>
-              <a:rPr lang="es-ES" sz="2000" dirty="0" err="1">
+              <a:rPr lang="es-ES" sz="1600" dirty="0" err="1">
                 <a:latin typeface="Ubuntu" panose="020B0504030602030204" pitchFamily="34" charset="0"/>
               </a:rPr>
               <a:t>name</a:t>
             </a:r>
             <a:r>
-              <a:rPr lang="es-ES" sz="2000" dirty="0">
+              <a:rPr lang="es-ES" sz="1600" dirty="0">
                 <a:latin typeface="Ubuntu" panose="020B0504030602030204" pitchFamily="34" charset="0"/>
               </a:rPr>
               <a:t>: S1, </a:t>
             </a:r>
             <a:r>
-              <a:rPr lang="es-ES" sz="2000" dirty="0" err="1">
+              <a:rPr lang="es-ES" sz="1600" dirty="0" err="1">
                 <a:latin typeface="Ubuntu" panose="020B0504030602030204" pitchFamily="34" charset="0"/>
               </a:rPr>
               <a:t>index</a:t>
             </a:r>
             <a:r>
-              <a:rPr lang="es-ES" sz="2000" dirty="0">
+              <a:rPr lang="es-ES" sz="1600" dirty="0">
                 <a:latin typeface="Ubuntu" panose="020B0504030602030204" pitchFamily="34" charset="0"/>
               </a:rPr>
               <a:t>=1, </a:t>
             </a:r>
             <a:r>
-              <a:rPr lang="es-ES" sz="2000" dirty="0" err="1">
+              <a:rPr lang="es-ES" sz="1600" dirty="0" err="1">
                 <a:latin typeface="Ubuntu" panose="020B0504030602030204" pitchFamily="34" charset="0"/>
               </a:rPr>
               <a:t>size</a:t>
             </a:r>
             <a:r>
-              <a:rPr lang="es-ES" sz="2000" dirty="0">
+              <a:rPr lang="es-ES" sz="1600" dirty="0">
                 <a:latin typeface="Ubuntu" panose="020B0504030602030204" pitchFamily="34" charset="0"/>
               </a:rPr>
               <a:t>: 2, </a:t>
             </a:r>
             <a:r>
-              <a:rPr lang="es-ES" sz="2000" dirty="0" err="1">
+              <a:rPr lang="es-ES" sz="1600" dirty="0" err="1">
                 <a:latin typeface="Ubuntu" panose="020B0504030602030204" pitchFamily="34" charset="0"/>
               </a:rPr>
               <a:t>lat</a:t>
             </a:r>
             <a:r>
-              <a:rPr lang="es-ES" sz="2000" dirty="0">
+              <a:rPr lang="es-ES" sz="1600" dirty="0">
                 <a:latin typeface="Ubuntu" panose="020B0504030602030204" pitchFamily="34" charset="0"/>
               </a:rPr>
               <a:t>=[1, 2], </a:t>
             </a:r>
             <a:r>
-              <a:rPr lang="es-ES" sz="2000" dirty="0" err="1">
+              <a:rPr lang="es-ES" sz="1600" dirty="0" err="1">
                 <a:latin typeface="Ubuntu" panose="020B0504030602030204" pitchFamily="34" charset="0"/>
               </a:rPr>
               <a:t>lon</a:t>
             </a:r>
             <a:r>
-              <a:rPr lang="es-ES" sz="2000" dirty="0">
+              <a:rPr lang="es-ES" sz="1600" dirty="0">
                 <a:latin typeface="Ubuntu" panose="020B0504030602030204" pitchFamily="34" charset="0"/>
               </a:rPr>
               <a:t>=[1, 4], ele=[…], </a:t>
             </a:r>
             <a:r>
-              <a:rPr lang="es-ES" sz="2000" dirty="0" err="1">
+              <a:rPr lang="es-ES" sz="1600" dirty="0" err="1">
                 <a:latin typeface="Ubuntu" panose="020B0504030602030204" pitchFamily="34" charset="0"/>
               </a:rPr>
               <a:t>distance</a:t>
             </a:r>
             <a:r>
-              <a:rPr lang="es-ES" sz="2000" dirty="0">
-                <a:latin typeface="Ubuntu" panose="020B0504030602030204" pitchFamily="34" charset="0"/>
-              </a:rPr>
-              <a:t>=[…]},</a:t>
-            </a:r>
-          </a:p>
-          <a:p>
-            <a:r>
-              <a:rPr lang="es-ES" sz="2000" dirty="0">
+              <a:rPr lang="es-ES" sz="1600" dirty="0">
+                <a:latin typeface="Ubuntu" panose="020B0504030602030204" pitchFamily="34" charset="0"/>
+              </a:rPr>
+              <a:t>=[…], </a:t>
+            </a:r>
+            <a:r>
+              <a:rPr lang="es-ES" sz="1600" dirty="0" err="1">
+                <a:latin typeface="Ubuntu" panose="020B0504030602030204" pitchFamily="34" charset="0"/>
+              </a:rPr>
+              <a:t>label</a:t>
+            </a:r>
+            <a:r>
+              <a:rPr lang="es-ES" sz="1600" dirty="0">
+                <a:latin typeface="Ubuntu" panose="020B0504030602030204" pitchFamily="34" charset="0"/>
+              </a:rPr>
+              <a:t>=…},</a:t>
+            </a:r>
+          </a:p>
+          <a:p>
+            <a:r>
+              <a:rPr lang="es-ES" sz="1600" dirty="0">
                 <a:latin typeface="Ubuntu" panose="020B0504030602030204" pitchFamily="34" charset="0"/>
               </a:rPr>
               <a:t>   {</a:t>
             </a:r>
             <a:r>
-              <a:rPr lang="es-ES" sz="2000" dirty="0" err="1">
+              <a:rPr lang="es-ES" sz="1600" dirty="0" err="1">
                 <a:latin typeface="Ubuntu" panose="020B0504030602030204" pitchFamily="34" charset="0"/>
               </a:rPr>
               <a:t>name</a:t>
             </a:r>
             <a:r>
-              <a:rPr lang="es-ES" sz="2000" dirty="0">
+              <a:rPr lang="es-ES" sz="1600" dirty="0">
                 <a:latin typeface="Ubuntu" panose="020B0504030602030204" pitchFamily="34" charset="0"/>
               </a:rPr>
               <a:t>: S2, </a:t>
             </a:r>
             <a:r>
-              <a:rPr lang="es-ES" sz="2000" dirty="0" err="1">
+              <a:rPr lang="es-ES" sz="1600" dirty="0" err="1">
                 <a:latin typeface="Ubuntu" panose="020B0504030602030204" pitchFamily="34" charset="0"/>
               </a:rPr>
               <a:t>index</a:t>
             </a:r>
             <a:r>
-              <a:rPr lang="es-ES" sz="2000" dirty="0">
+              <a:rPr lang="es-ES" sz="1600" dirty="0">
                 <a:latin typeface="Ubuntu" panose="020B0504030602030204" pitchFamily="34" charset="0"/>
               </a:rPr>
               <a:t>=2, …}, </a:t>
@@ -4832,31 +5450,31 @@
           </a:p>
           <a:p>
             <a:r>
-              <a:rPr lang="es-ES" sz="2000" dirty="0">
+              <a:rPr lang="es-ES" sz="1600" dirty="0">
                 <a:latin typeface="Ubuntu" panose="020B0504030602030204" pitchFamily="34" charset="0"/>
               </a:rPr>
               <a:t>   {</a:t>
             </a:r>
             <a:r>
-              <a:rPr lang="es-ES" sz="2000" dirty="0" err="1">
+              <a:rPr lang="es-ES" sz="1600" dirty="0" err="1">
                 <a:latin typeface="Ubuntu" panose="020B0504030602030204" pitchFamily="34" charset="0"/>
               </a:rPr>
               <a:t>name</a:t>
             </a:r>
             <a:r>
-              <a:rPr lang="es-ES" sz="2000" dirty="0">
+              <a:rPr lang="es-ES" sz="1600" dirty="0">
                 <a:latin typeface="Ubuntu" panose="020B0504030602030204" pitchFamily="34" charset="0"/>
               </a:rPr>
               <a:t>: S3, </a:t>
             </a:r>
             <a:r>
-              <a:rPr lang="es-ES" sz="2000" dirty="0" err="1">
+              <a:rPr lang="es-ES" sz="1600" dirty="0" err="1">
                 <a:latin typeface="Ubuntu" panose="020B0504030602030204" pitchFamily="34" charset="0"/>
               </a:rPr>
               <a:t>index</a:t>
             </a:r>
             <a:r>
-              <a:rPr lang="es-ES" sz="2000" dirty="0">
+              <a:rPr lang="es-ES" sz="1600" dirty="0">
                 <a:latin typeface="Ubuntu" panose="020B0504030602030204" pitchFamily="34" charset="0"/>
               </a:rPr>
               <a:t>=3, …},</a:t>
@@ -4864,7 +5482,7 @@
           </a:p>
           <a:p>
             <a:r>
-              <a:rPr lang="es-ES" sz="2000" dirty="0">
+              <a:rPr lang="es-ES" sz="1600" dirty="0">
                 <a:latin typeface="Ubuntu" panose="020B0504030602030204" pitchFamily="34" charset="0"/>
               </a:rPr>
               <a:t>],</a:t>
@@ -4872,13 +5490,13 @@
           </a:p>
           <a:p>
             <a:r>
-              <a:rPr lang="es-ES" sz="2000" dirty="0" err="1">
+              <a:rPr lang="es-ES" sz="1600" dirty="0" err="1">
                 <a:latin typeface="Ubuntu" panose="020B0504030602030204" pitchFamily="34" charset="0"/>
               </a:rPr>
               <a:t>map_center</a:t>
             </a:r>
             <a:r>
-              <a:rPr lang="es-ES" sz="2000" dirty="0">
+              <a:rPr lang="es-ES" sz="1600" dirty="0">
                 <a:latin typeface="Ubuntu" panose="020B0504030602030204" pitchFamily="34" charset="0"/>
               </a:rPr>
               <a:t>: […],</a:t>
@@ -4886,17 +5504,406 @@
           </a:p>
           <a:p>
             <a:r>
-              <a:rPr lang="es-ES" sz="2000" dirty="0" err="1">
+              <a:rPr lang="es-ES" sz="1600" dirty="0" err="1">
                 <a:latin typeface="Ubuntu" panose="020B0504030602030204" pitchFamily="34" charset="0"/>
               </a:rPr>
               <a:t>map_zoom</a:t>
             </a:r>
             <a:r>
-              <a:rPr lang="es-ES" sz="2000" dirty="0">
+              <a:rPr lang="es-ES" sz="1600" dirty="0">
                 <a:latin typeface="Ubuntu" panose="020B0504030602030204" pitchFamily="34" charset="0"/>
               </a:rPr>
               <a:t>: 14}</a:t>
             </a:r>
+          </a:p>
+          <a:p>
+            <a:endParaRPr lang="es-ES" sz="1600" dirty="0">
+              <a:latin typeface="Ubuntu" panose="020B0504030602030204" pitchFamily="34" charset="0"/>
+            </a:endParaRPr>
+          </a:p>
+          <a:p>
+            <a:r>
+              <a:rPr lang="es-ES" sz="1600" dirty="0" err="1">
+                <a:latin typeface="Ubuntu" panose="020B0504030602030204" pitchFamily="34" charset="0"/>
+              </a:rPr>
+              <a:t>track</a:t>
+            </a:r>
+            <a:r>
+              <a:rPr lang="es-ES" sz="1600" dirty="0">
+                <a:latin typeface="Ubuntu" panose="020B0504030602030204" pitchFamily="34" charset="0"/>
+              </a:rPr>
+              <a:t> </a:t>
+            </a:r>
+            <a:r>
+              <a:rPr lang="es-ES" sz="1600" dirty="0" err="1">
+                <a:latin typeface="Ubuntu" panose="020B0504030602030204" pitchFamily="34" charset="0"/>
+              </a:rPr>
+              <a:t>structure</a:t>
+            </a:r>
+            <a:r>
+              <a:rPr lang="es-ES" sz="1600" dirty="0">
+                <a:latin typeface="Ubuntu" panose="020B0504030602030204" pitchFamily="34" charset="0"/>
+              </a:rPr>
+              <a:t> </a:t>
+            </a:r>
+            <a:r>
+              <a:rPr lang="es-ES" sz="1600" dirty="0">
+                <a:latin typeface="Ubuntu" panose="020B0504030602030204" pitchFamily="34" charset="0"/>
+                <a:sym typeface="Wingdings" panose="05000000000000000000" pitchFamily="2" charset="2"/>
+              </a:rPr>
+              <a:t> links</a:t>
+            </a:r>
+          </a:p>
+          <a:p>
+            <a:r>
+              <a:rPr lang="es-ES" sz="1600" dirty="0">
+                <a:latin typeface="Ubuntu" panose="020B0504030602030204" pitchFamily="34" charset="0"/>
+                <a:sym typeface="Wingdings" panose="05000000000000000000" pitchFamily="2" charset="2"/>
+              </a:rPr>
+              <a:t>[{‘</a:t>
+            </a:r>
+            <a:r>
+              <a:rPr lang="es-ES" sz="1600" dirty="0" err="1">
+                <a:latin typeface="Ubuntu" panose="020B0504030602030204" pitchFamily="34" charset="0"/>
+                <a:sym typeface="Wingdings" panose="05000000000000000000" pitchFamily="2" charset="2"/>
+              </a:rPr>
+              <a:t>lat</a:t>
+            </a:r>
+            <a:r>
+              <a:rPr lang="es-ES" sz="1600" dirty="0">
+                <a:latin typeface="Ubuntu" panose="020B0504030602030204" pitchFamily="34" charset="0"/>
+                <a:sym typeface="Wingdings" panose="05000000000000000000" pitchFamily="2" charset="2"/>
+              </a:rPr>
+              <a:t>’: […], ‘</a:t>
+            </a:r>
+            <a:r>
+              <a:rPr lang="es-ES" sz="1600" dirty="0" err="1">
+                <a:latin typeface="Ubuntu" panose="020B0504030602030204" pitchFamily="34" charset="0"/>
+                <a:sym typeface="Wingdings" panose="05000000000000000000" pitchFamily="2" charset="2"/>
+              </a:rPr>
+              <a:t>lon</a:t>
+            </a:r>
+            <a:r>
+              <a:rPr lang="es-ES" sz="1600" dirty="0">
+                <a:latin typeface="Ubuntu" panose="020B0504030602030204" pitchFamily="34" charset="0"/>
+                <a:sym typeface="Wingdings" panose="05000000000000000000" pitchFamily="2" charset="2"/>
+              </a:rPr>
+              <a:t>’: […], ‘ele’: […], ‘</a:t>
+            </a:r>
+            <a:r>
+              <a:rPr lang="es-ES" sz="1600" dirty="0" err="1">
+                <a:latin typeface="Ubuntu" panose="020B0504030602030204" pitchFamily="34" charset="0"/>
+                <a:sym typeface="Wingdings" panose="05000000000000000000" pitchFamily="2" charset="2"/>
+              </a:rPr>
+              <a:t>dist</a:t>
+            </a:r>
+            <a:r>
+              <a:rPr lang="es-ES" sz="1600" dirty="0">
+                <a:latin typeface="Ubuntu" panose="020B0504030602030204" pitchFamily="34" charset="0"/>
+                <a:sym typeface="Wingdings" panose="05000000000000000000" pitchFamily="2" charset="2"/>
+              </a:rPr>
+              <a:t>’: […], </a:t>
+            </a:r>
+            <a:r>
+              <a:rPr lang="es-ES" sz="1600" dirty="0" err="1">
+                <a:latin typeface="Ubuntu" panose="020B0504030602030204" pitchFamily="34" charset="0"/>
+                <a:sym typeface="Wingdings" panose="05000000000000000000" pitchFamily="2" charset="2"/>
+              </a:rPr>
+              <a:t>from</a:t>
+            </a:r>
+            <a:r>
+              <a:rPr lang="es-ES" sz="1600" dirty="0">
+                <a:latin typeface="Ubuntu" panose="020B0504030602030204" pitchFamily="34" charset="0"/>
+                <a:sym typeface="Wingdings" panose="05000000000000000000" pitchFamily="2" charset="2"/>
+              </a:rPr>
+              <a:t>: …, </a:t>
+            </a:r>
+            <a:r>
+              <a:rPr lang="es-ES" sz="1600" dirty="0" err="1">
+                <a:latin typeface="Ubuntu" panose="020B0504030602030204" pitchFamily="34" charset="0"/>
+                <a:sym typeface="Wingdings" panose="05000000000000000000" pitchFamily="2" charset="2"/>
+              </a:rPr>
+              <a:t>to</a:t>
+            </a:r>
+            <a:r>
+              <a:rPr lang="es-ES" sz="1600" dirty="0">
+                <a:latin typeface="Ubuntu" panose="020B0504030602030204" pitchFamily="34" charset="0"/>
+                <a:sym typeface="Wingdings" panose="05000000000000000000" pitchFamily="2" charset="2"/>
+              </a:rPr>
+              <a:t>: …, </a:t>
+            </a:r>
+            <a:r>
+              <a:rPr lang="es-ES" sz="1600" dirty="0" err="1">
+                <a:latin typeface="Ubuntu" panose="020B0504030602030204" pitchFamily="34" charset="0"/>
+                <a:sym typeface="Wingdings" panose="05000000000000000000" pitchFamily="2" charset="2"/>
+              </a:rPr>
+              <a:t>label</a:t>
+            </a:r>
+            <a:r>
+              <a:rPr lang="es-ES" sz="1600" dirty="0">
+                <a:latin typeface="Ubuntu" panose="020B0504030602030204" pitchFamily="34" charset="0"/>
+                <a:sym typeface="Wingdings" panose="05000000000000000000" pitchFamily="2" charset="2"/>
+              </a:rPr>
+              <a:t>: …}, …]</a:t>
+            </a:r>
+          </a:p>
+          <a:p>
+            <a:r>
+              <a:rPr lang="es-ES" sz="1600" dirty="0" err="1">
+                <a:latin typeface="Ubuntu" panose="020B0504030602030204" pitchFamily="34" charset="0"/>
+                <a:sym typeface="Wingdings" panose="05000000000000000000" pitchFamily="2" charset="2"/>
+              </a:rPr>
+              <a:t>criteria</a:t>
+            </a:r>
+            <a:r>
+              <a:rPr lang="es-ES" sz="1600" dirty="0">
+                <a:latin typeface="Ubuntu" panose="020B0504030602030204" pitchFamily="34" charset="0"/>
+                <a:sym typeface="Wingdings" panose="05000000000000000000" pitchFamily="2" charset="2"/>
+              </a:rPr>
+              <a:t>: </a:t>
+            </a:r>
+            <a:r>
+              <a:rPr lang="es-ES" sz="1600" dirty="0" err="1">
+                <a:latin typeface="Ubuntu" panose="020B0504030602030204" pitchFamily="34" charset="0"/>
+                <a:sym typeface="Wingdings" panose="05000000000000000000" pitchFamily="2" charset="2"/>
+              </a:rPr>
+              <a:t>from</a:t>
+            </a:r>
+            <a:r>
+              <a:rPr lang="es-ES" sz="1600" dirty="0">
+                <a:latin typeface="Ubuntu" panose="020B0504030602030204" pitchFamily="34" charset="0"/>
+                <a:sym typeface="Wingdings" panose="05000000000000000000" pitchFamily="2" charset="2"/>
+              </a:rPr>
+              <a:t> &lt; </a:t>
+            </a:r>
+            <a:r>
+              <a:rPr lang="es-ES" sz="1600" dirty="0" err="1">
+                <a:latin typeface="Ubuntu" panose="020B0504030602030204" pitchFamily="34" charset="0"/>
+                <a:sym typeface="Wingdings" panose="05000000000000000000" pitchFamily="2" charset="2"/>
+              </a:rPr>
+              <a:t>to</a:t>
+            </a:r>
+            <a:r>
+              <a:rPr lang="es-ES" sz="1600" dirty="0">
+                <a:latin typeface="Ubuntu" panose="020B0504030602030204" pitchFamily="34" charset="0"/>
+                <a:sym typeface="Wingdings" panose="05000000000000000000" pitchFamily="2" charset="2"/>
+              </a:rPr>
+              <a:t> </a:t>
+            </a:r>
+          </a:p>
+          <a:p>
+            <a:endParaRPr lang="es-ES" sz="1600" dirty="0">
+              <a:latin typeface="Ubuntu" panose="020B0504030602030204" pitchFamily="34" charset="0"/>
+              <a:sym typeface="Wingdings" panose="05000000000000000000" pitchFamily="2" charset="2"/>
+            </a:endParaRPr>
+          </a:p>
+          <a:p>
+            <a:r>
+              <a:rPr lang="es-ES" sz="1600" b="1" dirty="0">
+                <a:latin typeface="Ubuntu" panose="020B0504030602030204" pitchFamily="34" charset="0"/>
+                <a:sym typeface="Wingdings" panose="05000000000000000000" pitchFamily="2" charset="2"/>
+              </a:rPr>
+              <a:t>Note: </a:t>
+            </a:r>
+            <a:r>
+              <a:rPr lang="es-ES" sz="1600" dirty="0" err="1">
+                <a:latin typeface="Ubuntu" panose="020B0504030602030204" pitchFamily="34" charset="0"/>
+                <a:sym typeface="Wingdings" panose="05000000000000000000" pitchFamily="2" charset="2"/>
+              </a:rPr>
+              <a:t>labels</a:t>
+            </a:r>
+            <a:r>
+              <a:rPr lang="es-ES" sz="1600" dirty="0">
+                <a:latin typeface="Ubuntu" panose="020B0504030602030204" pitchFamily="34" charset="0"/>
+                <a:sym typeface="Wingdings" panose="05000000000000000000" pitchFamily="2" charset="2"/>
+              </a:rPr>
+              <a:t> are </a:t>
+            </a:r>
+            <a:r>
+              <a:rPr lang="es-ES" sz="1600" dirty="0" err="1">
+                <a:latin typeface="Ubuntu" panose="020B0504030602030204" pitchFamily="34" charset="0"/>
+                <a:sym typeface="Wingdings" panose="05000000000000000000" pitchFamily="2" charset="2"/>
+              </a:rPr>
+              <a:t>considered</a:t>
+            </a:r>
+            <a:r>
+              <a:rPr lang="es-ES" sz="1600" dirty="0">
+                <a:latin typeface="Ubuntu" panose="020B0504030602030204" pitchFamily="34" charset="0"/>
+                <a:sym typeface="Wingdings" panose="05000000000000000000" pitchFamily="2" charset="2"/>
+              </a:rPr>
+              <a:t> </a:t>
+            </a:r>
+            <a:r>
+              <a:rPr lang="es-ES" sz="1600" dirty="0" err="1">
+                <a:latin typeface="Ubuntu" panose="020B0504030602030204" pitchFamily="34" charset="0"/>
+                <a:sym typeface="Wingdings" panose="05000000000000000000" pitchFamily="2" charset="2"/>
+              </a:rPr>
+              <a:t>to</a:t>
+            </a:r>
+            <a:r>
+              <a:rPr lang="es-ES" sz="1600" dirty="0">
+                <a:latin typeface="Ubuntu" panose="020B0504030602030204" pitchFamily="34" charset="0"/>
+                <a:sym typeface="Wingdings" panose="05000000000000000000" pitchFamily="2" charset="2"/>
+              </a:rPr>
+              <a:t> be </a:t>
+            </a:r>
+            <a:r>
+              <a:rPr lang="es-ES" sz="1600" dirty="0" err="1">
+                <a:latin typeface="Ubuntu" panose="020B0504030602030204" pitchFamily="34" charset="0"/>
+                <a:sym typeface="Wingdings" panose="05000000000000000000" pitchFamily="2" charset="2"/>
+              </a:rPr>
+              <a:t>used</a:t>
+            </a:r>
+            <a:r>
+              <a:rPr lang="es-ES" sz="1600" dirty="0">
+                <a:latin typeface="Ubuntu" panose="020B0504030602030204" pitchFamily="34" charset="0"/>
+                <a:sym typeface="Wingdings" panose="05000000000000000000" pitchFamily="2" charset="2"/>
+              </a:rPr>
+              <a:t> in </a:t>
+            </a:r>
+            <a:r>
+              <a:rPr lang="es-ES" sz="1600" dirty="0" err="1">
+                <a:latin typeface="Ubuntu" panose="020B0504030602030204" pitchFamily="34" charset="0"/>
+                <a:sym typeface="Wingdings" panose="05000000000000000000" pitchFamily="2" charset="2"/>
+              </a:rPr>
+              <a:t>map</a:t>
+            </a:r>
+            <a:r>
+              <a:rPr lang="es-ES" sz="1600" dirty="0">
+                <a:latin typeface="Ubuntu" panose="020B0504030602030204" pitchFamily="34" charset="0"/>
+                <a:sym typeface="Wingdings" panose="05000000000000000000" pitchFamily="2" charset="2"/>
+              </a:rPr>
+              <a:t> and chart, </a:t>
+            </a:r>
+            <a:r>
+              <a:rPr lang="es-ES" sz="1600" dirty="0" err="1">
+                <a:latin typeface="Ubuntu" panose="020B0504030602030204" pitchFamily="34" charset="0"/>
+                <a:sym typeface="Wingdings" panose="05000000000000000000" pitchFamily="2" charset="2"/>
+              </a:rPr>
+              <a:t>thus</a:t>
+            </a:r>
+            <a:r>
+              <a:rPr lang="es-ES" sz="1600" dirty="0">
+                <a:latin typeface="Ubuntu" panose="020B0504030602030204" pitchFamily="34" charset="0"/>
+                <a:sym typeface="Wingdings" panose="05000000000000000000" pitchFamily="2" charset="2"/>
+              </a:rPr>
+              <a:t> </a:t>
+            </a:r>
+            <a:r>
+              <a:rPr lang="es-ES" sz="1600" dirty="0" err="1">
+                <a:latin typeface="Ubuntu" panose="020B0504030602030204" pitchFamily="34" charset="0"/>
+                <a:sym typeface="Wingdings" panose="05000000000000000000" pitchFamily="2" charset="2"/>
+              </a:rPr>
+              <a:t>it</a:t>
+            </a:r>
+            <a:r>
+              <a:rPr lang="es-ES" sz="1600" dirty="0">
+                <a:latin typeface="Ubuntu" panose="020B0504030602030204" pitchFamily="34" charset="0"/>
+                <a:sym typeface="Wingdings" panose="05000000000000000000" pitchFamily="2" charset="2"/>
+              </a:rPr>
+              <a:t> </a:t>
+            </a:r>
+            <a:r>
+              <a:rPr lang="es-ES" sz="1600" dirty="0" err="1">
+                <a:latin typeface="Ubuntu" panose="020B0504030602030204" pitchFamily="34" charset="0"/>
+                <a:sym typeface="Wingdings" panose="05000000000000000000" pitchFamily="2" charset="2"/>
+              </a:rPr>
+              <a:t>is</a:t>
+            </a:r>
+            <a:r>
+              <a:rPr lang="es-ES" sz="1600" dirty="0">
+                <a:latin typeface="Ubuntu" panose="020B0504030602030204" pitchFamily="34" charset="0"/>
+                <a:sym typeface="Wingdings" panose="05000000000000000000" pitchFamily="2" charset="2"/>
+              </a:rPr>
+              <a:t> </a:t>
+            </a:r>
+            <a:r>
+              <a:rPr lang="es-ES" sz="1600" dirty="0" err="1">
+                <a:latin typeface="Ubuntu" panose="020B0504030602030204" pitchFamily="34" charset="0"/>
+                <a:sym typeface="Wingdings" panose="05000000000000000000" pitchFamily="2" charset="2"/>
+              </a:rPr>
+              <a:t>strightforward</a:t>
+            </a:r>
+            <a:r>
+              <a:rPr lang="es-ES" sz="1600" dirty="0">
+                <a:latin typeface="Ubuntu" panose="020B0504030602030204" pitchFamily="34" charset="0"/>
+                <a:sym typeface="Wingdings" panose="05000000000000000000" pitchFamily="2" charset="2"/>
+              </a:rPr>
+              <a:t> </a:t>
+            </a:r>
+            <a:r>
+              <a:rPr lang="es-ES" sz="1600" dirty="0" err="1">
+                <a:latin typeface="Ubuntu" panose="020B0504030602030204" pitchFamily="34" charset="0"/>
+                <a:sym typeface="Wingdings" panose="05000000000000000000" pitchFamily="2" charset="2"/>
+              </a:rPr>
+              <a:t>to</a:t>
+            </a:r>
+            <a:r>
+              <a:rPr lang="es-ES" sz="1600" dirty="0">
+                <a:latin typeface="Ubuntu" panose="020B0504030602030204" pitchFamily="34" charset="0"/>
+                <a:sym typeface="Wingdings" panose="05000000000000000000" pitchFamily="2" charset="2"/>
+              </a:rPr>
+              <a:t> locate </a:t>
+            </a:r>
+            <a:r>
+              <a:rPr lang="es-ES" sz="1600" dirty="0" err="1">
+                <a:latin typeface="Ubuntu" panose="020B0504030602030204" pitchFamily="34" charset="0"/>
+                <a:sym typeface="Wingdings" panose="05000000000000000000" pitchFamily="2" charset="2"/>
+              </a:rPr>
+              <a:t>which</a:t>
+            </a:r>
+            <a:r>
+              <a:rPr lang="es-ES" sz="1600" dirty="0">
+                <a:latin typeface="Ubuntu" panose="020B0504030602030204" pitchFamily="34" charset="0"/>
+                <a:sym typeface="Wingdings" panose="05000000000000000000" pitchFamily="2" charset="2"/>
+              </a:rPr>
+              <a:t> data </a:t>
+            </a:r>
+            <a:r>
+              <a:rPr lang="es-ES" sz="1600" dirty="0" err="1">
+                <a:latin typeface="Ubuntu" panose="020B0504030602030204" pitchFamily="34" charset="0"/>
+                <a:sym typeface="Wingdings" panose="05000000000000000000" pitchFamily="2" charset="2"/>
+              </a:rPr>
+              <a:t>is</a:t>
+            </a:r>
+            <a:r>
+              <a:rPr lang="es-ES" sz="1600" dirty="0">
+                <a:latin typeface="Ubuntu" panose="020B0504030602030204" pitchFamily="34" charset="0"/>
+                <a:sym typeface="Wingdings" panose="05000000000000000000" pitchFamily="2" charset="2"/>
+              </a:rPr>
+              <a:t> </a:t>
+            </a:r>
+            <a:r>
+              <a:rPr lang="es-ES" sz="1600" dirty="0" err="1">
+                <a:latin typeface="Ubuntu" panose="020B0504030602030204" pitchFamily="34" charset="0"/>
+                <a:sym typeface="Wingdings" panose="05000000000000000000" pitchFamily="2" charset="2"/>
+              </a:rPr>
+              <a:t>being</a:t>
+            </a:r>
+            <a:r>
+              <a:rPr lang="es-ES" sz="1600" dirty="0">
+                <a:latin typeface="Ubuntu" panose="020B0504030602030204" pitchFamily="34" charset="0"/>
+                <a:sym typeface="Wingdings" panose="05000000000000000000" pitchFamily="2" charset="2"/>
+              </a:rPr>
+              <a:t> </a:t>
+            </a:r>
+            <a:r>
+              <a:rPr lang="es-ES" sz="1600" dirty="0" err="1">
+                <a:latin typeface="Ubuntu" panose="020B0504030602030204" pitchFamily="34" charset="0"/>
+                <a:sym typeface="Wingdings" panose="05000000000000000000" pitchFamily="2" charset="2"/>
+              </a:rPr>
+              <a:t>displayed</a:t>
+            </a:r>
+            <a:r>
+              <a:rPr lang="es-ES" sz="1600" dirty="0">
+                <a:latin typeface="Ubuntu" panose="020B0504030602030204" pitchFamily="34" charset="0"/>
+                <a:sym typeface="Wingdings" panose="05000000000000000000" pitchFamily="2" charset="2"/>
+              </a:rPr>
+              <a:t>.</a:t>
+            </a:r>
+            <a:endParaRPr lang="es-ES" sz="1600" b="1" dirty="0">
+              <a:latin typeface="Ubuntu" panose="020B0504030602030204" pitchFamily="34" charset="0"/>
+            </a:endParaRPr>
           </a:p>
         </p:txBody>
       </p:sp>
@@ -4916,8 +5923,8 @@
         </p:nvSpPr>
         <p:spPr>
           <a:xfrm>
-            <a:off x="231185" y="-207416"/>
-            <a:ext cx="5098410" cy="1325563"/>
+            <a:off x="231185" y="184558"/>
+            <a:ext cx="5098410" cy="933589"/>
           </a:xfrm>
           <a:prstGeom prst="rect">
             <a:avLst/>
@@ -4964,10 +5971,2397 @@
           </a:p>
         </p:txBody>
       </p:sp>
+      <p:sp>
+        <p:nvSpPr>
+          <p:cNvPr id="2" name="CuadroTexto 1">
+            <a:extLst>
+              <a:ext uri="{FF2B5EF4-FFF2-40B4-BE49-F238E27FC236}">
+                <a16:creationId xmlns:a16="http://schemas.microsoft.com/office/drawing/2014/main" id="{87E089A6-D312-41C6-80B6-AD0D14714663}"/>
+              </a:ext>
+            </a:extLst>
+          </p:cNvPr>
+          <p:cNvSpPr txBox="1"/>
+          <p:nvPr/>
+        </p:nvSpPr>
+        <p:spPr>
+          <a:xfrm>
+            <a:off x="6096000" y="532374"/>
+            <a:ext cx="4969052" cy="2154436"/>
+          </a:xfrm>
+          <a:prstGeom prst="rect">
+            <a:avLst/>
+          </a:prstGeom>
+          <a:noFill/>
+        </p:spPr>
+        <p:txBody>
+          <a:bodyPr wrap="square" rtlCol="0">
+            <a:spAutoFit/>
+          </a:bodyPr>
+          <a:lstStyle/>
+          <a:p>
+            <a:r>
+              <a:rPr lang="en-US" sz="2200" dirty="0">
+                <a:latin typeface="+mj-lt"/>
+                <a:ea typeface="+mj-ea"/>
+                <a:cs typeface="+mj-cs"/>
+              </a:rPr>
+              <a:t>Description</a:t>
+            </a:r>
+          </a:p>
+          <a:p>
+            <a:r>
+              <a:rPr lang="en-US" sz="1600" dirty="0">
+                <a:latin typeface="Ubuntu" panose="020B0504030602030204" pitchFamily="34" charset="0"/>
+                <a:ea typeface="+mj-ea"/>
+                <a:cs typeface="+mj-cs"/>
+              </a:rPr>
+              <a:t>The same way in backend the track is represented in a pandas </a:t>
+            </a:r>
+            <a:r>
+              <a:rPr lang="en-US" sz="1600" dirty="0" err="1">
+                <a:latin typeface="Ubuntu" panose="020B0504030602030204" pitchFamily="34" charset="0"/>
+                <a:ea typeface="+mj-ea"/>
+                <a:cs typeface="+mj-cs"/>
+              </a:rPr>
+              <a:t>DataFrame</a:t>
+            </a:r>
+            <a:r>
+              <a:rPr lang="en-US" sz="1600" dirty="0">
+                <a:latin typeface="Ubuntu" panose="020B0504030602030204" pitchFamily="34" charset="0"/>
+                <a:ea typeface="+mj-ea"/>
+                <a:cs typeface="+mj-cs"/>
+              </a:rPr>
+              <a:t>. A similar structure needs to be managed by JS. Therefore, any change in the track is stored in df and “notified” to back-end via API.</a:t>
+            </a:r>
+          </a:p>
+          <a:p>
+            <a:r>
+              <a:rPr lang="en-US" sz="1600" dirty="0">
+                <a:latin typeface="Ubuntu" panose="020B0504030602030204" pitchFamily="34" charset="0"/>
+                <a:ea typeface="+mj-ea"/>
+                <a:cs typeface="+mj-cs"/>
+              </a:rPr>
+              <a:t>Each time /editor/</a:t>
+            </a:r>
+            <a:r>
+              <a:rPr lang="en-US" sz="1600" dirty="0" err="1">
+                <a:latin typeface="Ubuntu" panose="020B0504030602030204" pitchFamily="34" charset="0"/>
+                <a:ea typeface="+mj-ea"/>
+                <a:cs typeface="+mj-cs"/>
+              </a:rPr>
+              <a:t>get_track</a:t>
+            </a:r>
+            <a:r>
+              <a:rPr lang="en-US" sz="1600" dirty="0">
+                <a:latin typeface="Ubuntu" panose="020B0504030602030204" pitchFamily="34" charset="0"/>
+                <a:ea typeface="+mj-ea"/>
+                <a:cs typeface="+mj-cs"/>
+              </a:rPr>
+              <a:t> is called </a:t>
+            </a:r>
+            <a:r>
+              <a:rPr lang="en-US" sz="1600" u="sng" dirty="0">
+                <a:latin typeface="Ubuntu" panose="020B0504030602030204" pitchFamily="34" charset="0"/>
+                <a:ea typeface="+mj-ea"/>
+                <a:cs typeface="+mj-cs"/>
+              </a:rPr>
+              <a:t>track and links structures</a:t>
+            </a:r>
+            <a:r>
+              <a:rPr lang="en-US" sz="1600" dirty="0">
+                <a:latin typeface="Ubuntu" panose="020B0504030602030204" pitchFamily="34" charset="0"/>
+                <a:ea typeface="+mj-ea"/>
+                <a:cs typeface="+mj-cs"/>
+              </a:rPr>
+              <a:t> are written.</a:t>
+            </a:r>
+          </a:p>
+        </p:txBody>
+      </p:sp>
     </p:spTree>
     <p:extLst>
       <p:ext uri="{BB962C8B-B14F-4D97-AF65-F5344CB8AC3E}">
-        <p14:creationId xmlns:p14="http://schemas.microsoft.com/office/powerpoint/2010/main" val="2865029414"/>
+        <p14:creationId xmlns:p14="http://schemas.microsoft.com/office/powerpoint/2010/main" val="1559028484"/>
+      </p:ext>
+    </p:extLst>
+  </p:cSld>
+  <p:clrMapOvr>
+    <a:masterClrMapping/>
+  </p:clrMapOvr>
+</p:sld>
+</file>
+
+<file path=ppt/slides/slide3.xml><?xml version="1.0" encoding="utf-8"?>
+<p:sld xmlns:a="http://schemas.openxmlformats.org/drawingml/2006/main" xmlns:r="http://schemas.openxmlformats.org/officeDocument/2006/relationships" xmlns:p="http://schemas.openxmlformats.org/presentationml/2006/main">
+  <p:cSld>
+    <p:spTree>
+      <p:nvGrpSpPr>
+        <p:cNvPr id="1" name=""/>
+        <p:cNvGrpSpPr/>
+        <p:nvPr/>
+      </p:nvGrpSpPr>
+      <p:grpSpPr>
+        <a:xfrm>
+          <a:off x="0" y="0"/>
+          <a:ext cx="0" cy="0"/>
+          <a:chOff x="0" y="0"/>
+          <a:chExt cx="0" cy="0"/>
+        </a:xfrm>
+      </p:grpSpPr>
+      <p:sp>
+        <p:nvSpPr>
+          <p:cNvPr id="31" name="Título 1">
+            <a:extLst>
+              <a:ext uri="{FF2B5EF4-FFF2-40B4-BE49-F238E27FC236}">
+                <a16:creationId xmlns:a16="http://schemas.microsoft.com/office/drawing/2014/main" id="{2018646D-61A2-439E-9CA5-8DF2094220E8}"/>
+              </a:ext>
+            </a:extLst>
+          </p:cNvPr>
+          <p:cNvSpPr txBox="1">
+            <a:spLocks/>
+          </p:cNvSpPr>
+          <p:nvPr/>
+        </p:nvSpPr>
+        <p:spPr>
+          <a:xfrm>
+            <a:off x="231185" y="184558"/>
+            <a:ext cx="5098410" cy="933589"/>
+          </a:xfrm>
+          <a:prstGeom prst="rect">
+            <a:avLst/>
+          </a:prstGeom>
+        </p:spPr>
+        <p:txBody>
+          <a:bodyPr vert="horz" lIns="91440" tIns="45720" rIns="91440" bIns="45720" rtlCol="0" anchor="b">
+            <a:normAutofit/>
+          </a:bodyPr>
+          <a:lstStyle>
+            <a:lvl1pPr algn="ctr" defTabSz="914400" rtl="0" eaLnBrk="1" latinLnBrk="0" hangingPunct="1">
+              <a:lnSpc>
+                <a:spcPct val="90000"/>
+              </a:lnSpc>
+              <a:spcBef>
+                <a:spcPct val="0"/>
+              </a:spcBef>
+              <a:buNone/>
+              <a:defRPr sz="6000" kern="1200">
+                <a:solidFill>
+                  <a:schemeClr val="tx1"/>
+                </a:solidFill>
+                <a:latin typeface="+mj-lt"/>
+                <a:ea typeface="+mj-ea"/>
+                <a:cs typeface="+mj-cs"/>
+              </a:defRPr>
+            </a:lvl1pPr>
+          </a:lstStyle>
+          <a:p>
+            <a:pPr algn="l"/>
+            <a:r>
+              <a:rPr lang="es-ES" dirty="0" err="1"/>
+              <a:t>operations</a:t>
+            </a:r>
+            <a:endParaRPr lang="es-ES" dirty="0"/>
+          </a:p>
+        </p:txBody>
+      </p:sp>
+      <p:sp>
+        <p:nvSpPr>
+          <p:cNvPr id="2" name="CuadroTexto 1">
+            <a:extLst>
+              <a:ext uri="{FF2B5EF4-FFF2-40B4-BE49-F238E27FC236}">
+                <a16:creationId xmlns:a16="http://schemas.microsoft.com/office/drawing/2014/main" id="{87E089A6-D312-41C6-80B6-AD0D14714663}"/>
+              </a:ext>
+            </a:extLst>
+          </p:cNvPr>
+          <p:cNvSpPr txBox="1"/>
+          <p:nvPr/>
+        </p:nvSpPr>
+        <p:spPr>
+          <a:xfrm>
+            <a:off x="6096000" y="532374"/>
+            <a:ext cx="4969052" cy="2154436"/>
+          </a:xfrm>
+          <a:prstGeom prst="rect">
+            <a:avLst/>
+          </a:prstGeom>
+          <a:noFill/>
+        </p:spPr>
+        <p:txBody>
+          <a:bodyPr wrap="square" rtlCol="0">
+            <a:spAutoFit/>
+          </a:bodyPr>
+          <a:lstStyle/>
+          <a:p>
+            <a:r>
+              <a:rPr lang="en-US" sz="2200" dirty="0">
+                <a:latin typeface="+mj-lt"/>
+                <a:ea typeface="+mj-ea"/>
+                <a:cs typeface="+mj-cs"/>
+              </a:rPr>
+              <a:t>Description</a:t>
+            </a:r>
+          </a:p>
+          <a:p>
+            <a:r>
+              <a:rPr lang="en-US" sz="1600" dirty="0">
+                <a:latin typeface="Ubuntu" panose="020B0504030602030204" pitchFamily="34" charset="0"/>
+                <a:ea typeface="+mj-ea"/>
+                <a:cs typeface="+mj-cs"/>
+              </a:rPr>
+              <a:t>How the operations on track affect to the global structures needs to be defined.  Thus, the distance is not cumulative all track long, but by segment. Then, when displaying the elevation, the total distances is computed by adding the distance from last segment end to current segment plus current segment distances.</a:t>
+            </a:r>
+          </a:p>
+        </p:txBody>
+      </p:sp>
+      <p:sp>
+        <p:nvSpPr>
+          <p:cNvPr id="4" name="CuadroTexto 3">
+            <a:extLst>
+              <a:ext uri="{FF2B5EF4-FFF2-40B4-BE49-F238E27FC236}">
+                <a16:creationId xmlns:a16="http://schemas.microsoft.com/office/drawing/2014/main" id="{5CB7B6FB-45C1-44DA-BDCB-37BC5490A3AF}"/>
+              </a:ext>
+            </a:extLst>
+          </p:cNvPr>
+          <p:cNvSpPr txBox="1"/>
+          <p:nvPr/>
+        </p:nvSpPr>
+        <p:spPr>
+          <a:xfrm>
+            <a:off x="231185" y="2565094"/>
+            <a:ext cx="5651000" cy="4031873"/>
+          </a:xfrm>
+          <a:prstGeom prst="rect">
+            <a:avLst/>
+          </a:prstGeom>
+          <a:noFill/>
+        </p:spPr>
+        <p:txBody>
+          <a:bodyPr wrap="square" rtlCol="0">
+            <a:spAutoFit/>
+          </a:bodyPr>
+          <a:lstStyle/>
+          <a:p>
+            <a:r>
+              <a:rPr lang="en-US" sz="2000" dirty="0">
+                <a:latin typeface="+mj-lt"/>
+                <a:ea typeface="+mj-ea"/>
+                <a:cs typeface="+mj-cs"/>
+              </a:rPr>
+              <a:t>rename track: </a:t>
+            </a:r>
+            <a:r>
+              <a:rPr lang="en-US" sz="1600" dirty="0">
+                <a:latin typeface="Ubuntu" panose="020B0504030602030204" pitchFamily="34" charset="0"/>
+                <a:ea typeface="+mj-ea"/>
+                <a:cs typeface="+mj-cs"/>
+              </a:rPr>
+              <a:t>track[‘title’] = new title</a:t>
+            </a:r>
+          </a:p>
+          <a:p>
+            <a:endParaRPr lang="en-US" sz="2000" dirty="0">
+              <a:latin typeface="+mj-lt"/>
+              <a:ea typeface="+mj-ea"/>
+              <a:cs typeface="+mj-cs"/>
+            </a:endParaRPr>
+          </a:p>
+          <a:p>
+            <a:r>
+              <a:rPr lang="en-US" sz="2000" dirty="0">
+                <a:latin typeface="+mj-lt"/>
+                <a:ea typeface="+mj-ea"/>
+                <a:cs typeface="+mj-cs"/>
+              </a:rPr>
+              <a:t>rename segment: </a:t>
+            </a:r>
+            <a:r>
+              <a:rPr lang="en-US" sz="1600" dirty="0">
+                <a:latin typeface="Ubuntu" panose="020B0504030602030204" pitchFamily="34" charset="0"/>
+                <a:ea typeface="+mj-ea"/>
+                <a:cs typeface="+mj-cs"/>
+              </a:rPr>
+              <a:t>track[‘title’][‘index’ == </a:t>
+            </a:r>
+            <a:r>
+              <a:rPr lang="en-US" sz="1600" dirty="0" err="1">
+                <a:latin typeface="Ubuntu" panose="020B0504030602030204" pitchFamily="34" charset="0"/>
+                <a:ea typeface="+mj-ea"/>
+                <a:cs typeface="+mj-cs"/>
+              </a:rPr>
+              <a:t>idx</a:t>
+            </a:r>
+            <a:r>
+              <a:rPr lang="en-US" sz="1600" dirty="0">
+                <a:latin typeface="Ubuntu" panose="020B0504030602030204" pitchFamily="34" charset="0"/>
+                <a:ea typeface="+mj-ea"/>
+                <a:cs typeface="+mj-cs"/>
+              </a:rPr>
+              <a:t>] = new title</a:t>
+            </a:r>
+            <a:endParaRPr lang="en-US" sz="2000" dirty="0">
+              <a:latin typeface="+mj-lt"/>
+              <a:ea typeface="+mj-ea"/>
+              <a:cs typeface="+mj-cs"/>
+            </a:endParaRPr>
+          </a:p>
+          <a:p>
+            <a:endParaRPr lang="en-US" sz="2000" dirty="0">
+              <a:latin typeface="+mj-lt"/>
+              <a:ea typeface="+mj-ea"/>
+              <a:cs typeface="+mj-cs"/>
+            </a:endParaRPr>
+          </a:p>
+          <a:p>
+            <a:r>
+              <a:rPr lang="en-US" sz="2000" dirty="0">
+                <a:latin typeface="+mj-lt"/>
+                <a:ea typeface="+mj-ea"/>
+                <a:cs typeface="+mj-cs"/>
+              </a:rPr>
+              <a:t>remove segment: </a:t>
+            </a:r>
+            <a:r>
+              <a:rPr lang="en-US" sz="1600" dirty="0">
+                <a:latin typeface="Ubuntu" panose="020B0504030602030204" pitchFamily="34" charset="0"/>
+                <a:ea typeface="+mj-ea"/>
+                <a:cs typeface="+mj-cs"/>
+              </a:rPr>
+              <a:t>del track[‘title’][‘index’ == </a:t>
+            </a:r>
+            <a:r>
+              <a:rPr lang="en-US" sz="1600" dirty="0" err="1">
+                <a:latin typeface="Ubuntu" panose="020B0504030602030204" pitchFamily="34" charset="0"/>
+                <a:ea typeface="+mj-ea"/>
+                <a:cs typeface="+mj-cs"/>
+              </a:rPr>
+              <a:t>idx</a:t>
+            </a:r>
+            <a:r>
+              <a:rPr lang="en-US" sz="1600" dirty="0">
+                <a:latin typeface="Ubuntu" panose="020B0504030602030204" pitchFamily="34" charset="0"/>
+                <a:ea typeface="+mj-ea"/>
+                <a:cs typeface="+mj-cs"/>
+              </a:rPr>
+              <a:t>], recompute links</a:t>
+            </a:r>
+          </a:p>
+          <a:p>
+            <a:r>
+              <a:rPr lang="en-US" sz="1600" dirty="0">
+                <a:latin typeface="Ubuntu" panose="020B0504030602030204" pitchFamily="34" charset="0"/>
+                <a:ea typeface="+mj-ea"/>
+                <a:cs typeface="+mj-cs"/>
+              </a:rPr>
+              <a:t>Remove segment from plot and elevation (using label). Plot new links.</a:t>
+            </a:r>
+          </a:p>
+          <a:p>
+            <a:r>
+              <a:rPr lang="en-US" sz="1600" dirty="0">
+                <a:latin typeface="Ubuntu" panose="020B0504030602030204" pitchFamily="34" charset="0"/>
+                <a:ea typeface="+mj-ea"/>
+                <a:cs typeface="+mj-cs"/>
+              </a:rPr>
+              <a:t>Distance update by #76 </a:t>
+            </a:r>
+          </a:p>
+          <a:p>
+            <a:endParaRPr lang="en-US" sz="2000" dirty="0">
+              <a:latin typeface="+mj-lt"/>
+              <a:ea typeface="+mj-ea"/>
+              <a:cs typeface="+mj-cs"/>
+            </a:endParaRPr>
+          </a:p>
+          <a:p>
+            <a:r>
+              <a:rPr lang="en-US" sz="2000" dirty="0">
+                <a:latin typeface="+mj-lt"/>
+                <a:ea typeface="+mj-ea"/>
+                <a:cs typeface="+mj-cs"/>
+              </a:rPr>
+              <a:t>reverse segment: </a:t>
+            </a:r>
+            <a:r>
+              <a:rPr lang="en-US" sz="1600" dirty="0">
+                <a:latin typeface="Ubuntu" panose="020B0504030602030204" pitchFamily="34" charset="0"/>
+                <a:ea typeface="+mj-ea"/>
+                <a:cs typeface="+mj-cs"/>
+              </a:rPr>
+              <a:t>swap initial and end in the links involving the reverse index.</a:t>
+            </a:r>
+          </a:p>
+          <a:p>
+            <a:r>
+              <a:rPr lang="en-US" sz="1600" dirty="0">
+                <a:latin typeface="Ubuntu" panose="020B0504030602030204" pitchFamily="34" charset="0"/>
+                <a:ea typeface="+mj-ea"/>
+                <a:cs typeface="+mj-cs"/>
+              </a:rPr>
+              <a:t>Plot reverse elevation is needed. And re-plot the links. </a:t>
+            </a:r>
+            <a:endParaRPr lang="en-US" sz="2000" dirty="0">
+              <a:latin typeface="+mj-lt"/>
+              <a:ea typeface="+mj-ea"/>
+              <a:cs typeface="+mj-cs"/>
+            </a:endParaRPr>
+          </a:p>
+          <a:p>
+            <a:endParaRPr lang="en-US" sz="2000" dirty="0">
+              <a:latin typeface="+mj-lt"/>
+              <a:ea typeface="+mj-ea"/>
+              <a:cs typeface="+mj-cs"/>
+            </a:endParaRPr>
+          </a:p>
+        </p:txBody>
+      </p:sp>
+      <p:cxnSp>
+        <p:nvCxnSpPr>
+          <p:cNvPr id="5" name="Conector recto 4">
+            <a:extLst>
+              <a:ext uri="{FF2B5EF4-FFF2-40B4-BE49-F238E27FC236}">
+                <a16:creationId xmlns:a16="http://schemas.microsoft.com/office/drawing/2014/main" id="{3B41CE6A-9CE1-4AB1-A324-6CE1380381CA}"/>
+              </a:ext>
+            </a:extLst>
+          </p:cNvPr>
+          <p:cNvCxnSpPr>
+            <a:cxnSpLocks/>
+            <a:stCxn id="9" idx="6"/>
+            <a:endCxn id="11" idx="3"/>
+          </p:cNvCxnSpPr>
+          <p:nvPr/>
+        </p:nvCxnSpPr>
+        <p:spPr>
+          <a:xfrm flipV="1">
+            <a:off x="2123390" y="1817671"/>
+            <a:ext cx="187626" cy="97615"/>
+          </a:xfrm>
+          <a:prstGeom prst="line">
+            <a:avLst/>
+          </a:prstGeom>
+          <a:ln w="28575">
+            <a:solidFill>
+              <a:schemeClr val="accent3">
+                <a:lumMod val="60000"/>
+                <a:lumOff val="40000"/>
+              </a:schemeClr>
+            </a:solidFill>
+          </a:ln>
+        </p:spPr>
+        <p:style>
+          <a:lnRef idx="1">
+            <a:schemeClr val="accent1"/>
+          </a:lnRef>
+          <a:fillRef idx="0">
+            <a:schemeClr val="accent1"/>
+          </a:fillRef>
+          <a:effectRef idx="0">
+            <a:schemeClr val="accent1"/>
+          </a:effectRef>
+          <a:fontRef idx="minor">
+            <a:schemeClr val="tx1"/>
+          </a:fontRef>
+        </p:style>
+      </p:cxnSp>
+      <p:cxnSp>
+        <p:nvCxnSpPr>
+          <p:cNvPr id="6" name="Conector recto 5">
+            <a:extLst>
+              <a:ext uri="{FF2B5EF4-FFF2-40B4-BE49-F238E27FC236}">
+                <a16:creationId xmlns:a16="http://schemas.microsoft.com/office/drawing/2014/main" id="{22E2C739-4572-4FB9-91D9-CC0BF0F0F06F}"/>
+              </a:ext>
+            </a:extLst>
+          </p:cNvPr>
+          <p:cNvCxnSpPr>
+            <a:cxnSpLocks/>
+            <a:stCxn id="14" idx="4"/>
+            <a:endCxn id="12" idx="0"/>
+          </p:cNvCxnSpPr>
+          <p:nvPr/>
+        </p:nvCxnSpPr>
+        <p:spPr>
+          <a:xfrm>
+            <a:off x="3308335" y="1764284"/>
+            <a:ext cx="159391" cy="288137"/>
+          </a:xfrm>
+          <a:prstGeom prst="line">
+            <a:avLst/>
+          </a:prstGeom>
+          <a:ln w="28575">
+            <a:solidFill>
+              <a:schemeClr val="accent3">
+                <a:lumMod val="60000"/>
+                <a:lumOff val="40000"/>
+              </a:schemeClr>
+            </a:solidFill>
+          </a:ln>
+        </p:spPr>
+        <p:style>
+          <a:lnRef idx="1">
+            <a:schemeClr val="accent1"/>
+          </a:lnRef>
+          <a:fillRef idx="0">
+            <a:schemeClr val="accent1"/>
+          </a:fillRef>
+          <a:effectRef idx="0">
+            <a:schemeClr val="accent1"/>
+          </a:effectRef>
+          <a:fontRef idx="minor">
+            <a:schemeClr val="tx1"/>
+          </a:fontRef>
+        </p:style>
+      </p:cxnSp>
+      <p:cxnSp>
+        <p:nvCxnSpPr>
+          <p:cNvPr id="7" name="Conector recto 6">
+            <a:extLst>
+              <a:ext uri="{FF2B5EF4-FFF2-40B4-BE49-F238E27FC236}">
+                <a16:creationId xmlns:a16="http://schemas.microsoft.com/office/drawing/2014/main" id="{9F2A3361-19AE-47C9-B51A-471305AEE0FE}"/>
+              </a:ext>
+            </a:extLst>
+          </p:cNvPr>
+          <p:cNvCxnSpPr>
+            <a:cxnSpLocks/>
+            <a:endCxn id="9" idx="2"/>
+          </p:cNvCxnSpPr>
+          <p:nvPr/>
+        </p:nvCxnSpPr>
+        <p:spPr>
+          <a:xfrm flipV="1">
+            <a:off x="964311" y="1915286"/>
+            <a:ext cx="999688" cy="75502"/>
+          </a:xfrm>
+          <a:prstGeom prst="line">
+            <a:avLst/>
+          </a:prstGeom>
+          <a:ln w="28575">
+            <a:solidFill>
+              <a:srgbClr val="00B0F0"/>
+            </a:solidFill>
+          </a:ln>
+        </p:spPr>
+        <p:style>
+          <a:lnRef idx="1">
+            <a:schemeClr val="accent1"/>
+          </a:lnRef>
+          <a:fillRef idx="0">
+            <a:schemeClr val="accent1"/>
+          </a:fillRef>
+          <a:effectRef idx="0">
+            <a:schemeClr val="accent1"/>
+          </a:effectRef>
+          <a:fontRef idx="minor">
+            <a:schemeClr val="tx1"/>
+          </a:fontRef>
+        </p:style>
+      </p:cxnSp>
+      <p:sp>
+        <p:nvSpPr>
+          <p:cNvPr id="8" name="Elipse 7">
+            <a:extLst>
+              <a:ext uri="{FF2B5EF4-FFF2-40B4-BE49-F238E27FC236}">
+                <a16:creationId xmlns:a16="http://schemas.microsoft.com/office/drawing/2014/main" id="{FEFF4148-227D-430B-A119-1D23C07287E6}"/>
+              </a:ext>
+            </a:extLst>
+          </p:cNvPr>
+          <p:cNvSpPr/>
+          <p:nvPr/>
+        </p:nvSpPr>
+        <p:spPr>
+          <a:xfrm>
+            <a:off x="804920" y="1915286"/>
+            <a:ext cx="159391" cy="151002"/>
+          </a:xfrm>
+          <a:prstGeom prst="ellipse">
+            <a:avLst/>
+          </a:prstGeom>
+          <a:solidFill>
+            <a:schemeClr val="bg1"/>
+          </a:solidFill>
+          <a:ln w="28575">
+            <a:solidFill>
+              <a:srgbClr val="00B0F0"/>
+            </a:solidFill>
+          </a:ln>
+        </p:spPr>
+        <p:style>
+          <a:lnRef idx="2">
+            <a:schemeClr val="accent1">
+              <a:shade val="50000"/>
+            </a:schemeClr>
+          </a:lnRef>
+          <a:fillRef idx="1">
+            <a:schemeClr val="accent1"/>
+          </a:fillRef>
+          <a:effectRef idx="0">
+            <a:schemeClr val="accent1"/>
+          </a:effectRef>
+          <a:fontRef idx="minor">
+            <a:schemeClr val="lt1"/>
+          </a:fontRef>
+        </p:style>
+        <p:txBody>
+          <a:bodyPr rtlCol="0" anchor="ctr"/>
+          <a:lstStyle/>
+          <a:p>
+            <a:pPr algn="ctr"/>
+            <a:endParaRPr lang="es-ES"/>
+          </a:p>
+        </p:txBody>
+      </p:sp>
+      <p:sp>
+        <p:nvSpPr>
+          <p:cNvPr id="9" name="Elipse 8">
+            <a:extLst>
+              <a:ext uri="{FF2B5EF4-FFF2-40B4-BE49-F238E27FC236}">
+                <a16:creationId xmlns:a16="http://schemas.microsoft.com/office/drawing/2014/main" id="{8A06A466-22B4-4968-9585-399FDCFA27CE}"/>
+              </a:ext>
+            </a:extLst>
+          </p:cNvPr>
+          <p:cNvSpPr/>
+          <p:nvPr/>
+        </p:nvSpPr>
+        <p:spPr>
+          <a:xfrm>
+            <a:off x="1963999" y="1839785"/>
+            <a:ext cx="159391" cy="151002"/>
+          </a:xfrm>
+          <a:prstGeom prst="ellipse">
+            <a:avLst/>
+          </a:prstGeom>
+          <a:solidFill>
+            <a:schemeClr val="bg1"/>
+          </a:solidFill>
+          <a:ln w="28575">
+            <a:solidFill>
+              <a:srgbClr val="00B0F0"/>
+            </a:solidFill>
+          </a:ln>
+        </p:spPr>
+        <p:style>
+          <a:lnRef idx="2">
+            <a:schemeClr val="accent1">
+              <a:shade val="50000"/>
+            </a:schemeClr>
+          </a:lnRef>
+          <a:fillRef idx="1">
+            <a:schemeClr val="accent1"/>
+          </a:fillRef>
+          <a:effectRef idx="0">
+            <a:schemeClr val="accent1"/>
+          </a:effectRef>
+          <a:fontRef idx="minor">
+            <a:schemeClr val="lt1"/>
+          </a:fontRef>
+        </p:style>
+        <p:txBody>
+          <a:bodyPr rtlCol="0" anchor="ctr"/>
+          <a:lstStyle/>
+          <a:p>
+            <a:pPr algn="ctr"/>
+            <a:endParaRPr lang="es-ES"/>
+          </a:p>
+        </p:txBody>
+      </p:sp>
+      <p:cxnSp>
+        <p:nvCxnSpPr>
+          <p:cNvPr id="10" name="Conector recto 9">
+            <a:extLst>
+              <a:ext uri="{FF2B5EF4-FFF2-40B4-BE49-F238E27FC236}">
+                <a16:creationId xmlns:a16="http://schemas.microsoft.com/office/drawing/2014/main" id="{8A4B1FCC-A00B-4026-B8DF-3DFA884E0A0B}"/>
+              </a:ext>
+            </a:extLst>
+          </p:cNvPr>
+          <p:cNvCxnSpPr>
+            <a:cxnSpLocks/>
+            <a:stCxn id="11" idx="6"/>
+            <a:endCxn id="12" idx="2"/>
+          </p:cNvCxnSpPr>
+          <p:nvPr/>
+        </p:nvCxnSpPr>
+        <p:spPr>
+          <a:xfrm>
+            <a:off x="2447065" y="1764284"/>
+            <a:ext cx="940965" cy="363638"/>
+          </a:xfrm>
+          <a:prstGeom prst="line">
+            <a:avLst/>
+          </a:prstGeom>
+          <a:ln w="28575">
+            <a:solidFill>
+              <a:srgbClr val="00B0F0"/>
+            </a:solidFill>
+          </a:ln>
+        </p:spPr>
+        <p:style>
+          <a:lnRef idx="1">
+            <a:schemeClr val="accent1"/>
+          </a:lnRef>
+          <a:fillRef idx="0">
+            <a:schemeClr val="accent1"/>
+          </a:fillRef>
+          <a:effectRef idx="0">
+            <a:schemeClr val="accent1"/>
+          </a:effectRef>
+          <a:fontRef idx="minor">
+            <a:schemeClr val="tx1"/>
+          </a:fontRef>
+        </p:style>
+      </p:cxnSp>
+      <p:sp>
+        <p:nvSpPr>
+          <p:cNvPr id="11" name="Elipse 10">
+            <a:extLst>
+              <a:ext uri="{FF2B5EF4-FFF2-40B4-BE49-F238E27FC236}">
+                <a16:creationId xmlns:a16="http://schemas.microsoft.com/office/drawing/2014/main" id="{AF7CE5D9-79AD-4754-84B0-FD61D919FF03}"/>
+              </a:ext>
+            </a:extLst>
+          </p:cNvPr>
+          <p:cNvSpPr/>
+          <p:nvPr/>
+        </p:nvSpPr>
+        <p:spPr>
+          <a:xfrm>
+            <a:off x="2287674" y="1688783"/>
+            <a:ext cx="159391" cy="151002"/>
+          </a:xfrm>
+          <a:prstGeom prst="ellipse">
+            <a:avLst/>
+          </a:prstGeom>
+          <a:solidFill>
+            <a:schemeClr val="bg1"/>
+          </a:solidFill>
+          <a:ln w="28575">
+            <a:solidFill>
+              <a:srgbClr val="00B0F0"/>
+            </a:solidFill>
+          </a:ln>
+        </p:spPr>
+        <p:style>
+          <a:lnRef idx="2">
+            <a:schemeClr val="accent1">
+              <a:shade val="50000"/>
+            </a:schemeClr>
+          </a:lnRef>
+          <a:fillRef idx="1">
+            <a:schemeClr val="accent1"/>
+          </a:fillRef>
+          <a:effectRef idx="0">
+            <a:schemeClr val="accent1"/>
+          </a:effectRef>
+          <a:fontRef idx="minor">
+            <a:schemeClr val="lt1"/>
+          </a:fontRef>
+        </p:style>
+        <p:txBody>
+          <a:bodyPr rtlCol="0" anchor="ctr"/>
+          <a:lstStyle/>
+          <a:p>
+            <a:pPr algn="ctr"/>
+            <a:endParaRPr lang="es-ES"/>
+          </a:p>
+        </p:txBody>
+      </p:sp>
+      <p:sp>
+        <p:nvSpPr>
+          <p:cNvPr id="12" name="Elipse 11">
+            <a:extLst>
+              <a:ext uri="{FF2B5EF4-FFF2-40B4-BE49-F238E27FC236}">
+                <a16:creationId xmlns:a16="http://schemas.microsoft.com/office/drawing/2014/main" id="{D83BC3E1-E2A0-411A-8DB2-7EE89B81DBE0}"/>
+              </a:ext>
+            </a:extLst>
+          </p:cNvPr>
+          <p:cNvSpPr/>
+          <p:nvPr/>
+        </p:nvSpPr>
+        <p:spPr>
+          <a:xfrm>
+            <a:off x="3388030" y="2052421"/>
+            <a:ext cx="159391" cy="151002"/>
+          </a:xfrm>
+          <a:prstGeom prst="ellipse">
+            <a:avLst/>
+          </a:prstGeom>
+          <a:solidFill>
+            <a:schemeClr val="bg1"/>
+          </a:solidFill>
+          <a:ln w="28575">
+            <a:solidFill>
+              <a:srgbClr val="00B0F0"/>
+            </a:solidFill>
+          </a:ln>
+        </p:spPr>
+        <p:style>
+          <a:lnRef idx="2">
+            <a:schemeClr val="accent1">
+              <a:shade val="50000"/>
+            </a:schemeClr>
+          </a:lnRef>
+          <a:fillRef idx="1">
+            <a:schemeClr val="accent1"/>
+          </a:fillRef>
+          <a:effectRef idx="0">
+            <a:schemeClr val="accent1"/>
+          </a:effectRef>
+          <a:fontRef idx="minor">
+            <a:schemeClr val="lt1"/>
+          </a:fontRef>
+        </p:style>
+        <p:txBody>
+          <a:bodyPr rtlCol="0" anchor="ctr"/>
+          <a:lstStyle/>
+          <a:p>
+            <a:pPr algn="ctr"/>
+            <a:endParaRPr lang="es-ES"/>
+          </a:p>
+        </p:txBody>
+      </p:sp>
+      <p:cxnSp>
+        <p:nvCxnSpPr>
+          <p:cNvPr id="13" name="Conector recto 12">
+            <a:extLst>
+              <a:ext uri="{FF2B5EF4-FFF2-40B4-BE49-F238E27FC236}">
+                <a16:creationId xmlns:a16="http://schemas.microsoft.com/office/drawing/2014/main" id="{862FCEF1-070A-4D6B-9FD1-02F74BE15526}"/>
+              </a:ext>
+            </a:extLst>
+          </p:cNvPr>
+          <p:cNvCxnSpPr>
+            <a:cxnSpLocks/>
+            <a:stCxn id="14" idx="7"/>
+            <a:endCxn id="15" idx="2"/>
+          </p:cNvCxnSpPr>
+          <p:nvPr/>
+        </p:nvCxnSpPr>
+        <p:spPr>
+          <a:xfrm flipV="1">
+            <a:off x="3364688" y="1440025"/>
+            <a:ext cx="528080" cy="195371"/>
+          </a:xfrm>
+          <a:prstGeom prst="line">
+            <a:avLst/>
+          </a:prstGeom>
+          <a:ln w="28575">
+            <a:solidFill>
+              <a:srgbClr val="00B0F0"/>
+            </a:solidFill>
+          </a:ln>
+        </p:spPr>
+        <p:style>
+          <a:lnRef idx="1">
+            <a:schemeClr val="accent1"/>
+          </a:lnRef>
+          <a:fillRef idx="0">
+            <a:schemeClr val="accent1"/>
+          </a:fillRef>
+          <a:effectRef idx="0">
+            <a:schemeClr val="accent1"/>
+          </a:effectRef>
+          <a:fontRef idx="minor">
+            <a:schemeClr val="tx1"/>
+          </a:fontRef>
+        </p:style>
+      </p:cxnSp>
+      <p:sp>
+        <p:nvSpPr>
+          <p:cNvPr id="14" name="Elipse 13">
+            <a:extLst>
+              <a:ext uri="{FF2B5EF4-FFF2-40B4-BE49-F238E27FC236}">
+                <a16:creationId xmlns:a16="http://schemas.microsoft.com/office/drawing/2014/main" id="{E4C5160A-A09B-4EF1-8EC9-12438AF1CDD4}"/>
+              </a:ext>
+            </a:extLst>
+          </p:cNvPr>
+          <p:cNvSpPr/>
+          <p:nvPr/>
+        </p:nvSpPr>
+        <p:spPr>
+          <a:xfrm>
+            <a:off x="3228639" y="1613282"/>
+            <a:ext cx="159391" cy="151002"/>
+          </a:xfrm>
+          <a:prstGeom prst="ellipse">
+            <a:avLst/>
+          </a:prstGeom>
+          <a:solidFill>
+            <a:schemeClr val="bg1"/>
+          </a:solidFill>
+          <a:ln w="28575">
+            <a:solidFill>
+              <a:srgbClr val="00B0F0"/>
+            </a:solidFill>
+          </a:ln>
+        </p:spPr>
+        <p:style>
+          <a:lnRef idx="2">
+            <a:schemeClr val="accent1">
+              <a:shade val="50000"/>
+            </a:schemeClr>
+          </a:lnRef>
+          <a:fillRef idx="1">
+            <a:schemeClr val="accent1"/>
+          </a:fillRef>
+          <a:effectRef idx="0">
+            <a:schemeClr val="accent1"/>
+          </a:effectRef>
+          <a:fontRef idx="minor">
+            <a:schemeClr val="lt1"/>
+          </a:fontRef>
+        </p:style>
+        <p:txBody>
+          <a:bodyPr rtlCol="0" anchor="ctr"/>
+          <a:lstStyle/>
+          <a:p>
+            <a:pPr algn="ctr"/>
+            <a:endParaRPr lang="es-ES"/>
+          </a:p>
+        </p:txBody>
+      </p:sp>
+      <p:sp>
+        <p:nvSpPr>
+          <p:cNvPr id="15" name="Elipse 14">
+            <a:extLst>
+              <a:ext uri="{FF2B5EF4-FFF2-40B4-BE49-F238E27FC236}">
+                <a16:creationId xmlns:a16="http://schemas.microsoft.com/office/drawing/2014/main" id="{DD575799-741C-4BBC-A31A-980E9EF46F8A}"/>
+              </a:ext>
+            </a:extLst>
+          </p:cNvPr>
+          <p:cNvSpPr/>
+          <p:nvPr/>
+        </p:nvSpPr>
+        <p:spPr>
+          <a:xfrm>
+            <a:off x="3892768" y="1364524"/>
+            <a:ext cx="159391" cy="151002"/>
+          </a:xfrm>
+          <a:prstGeom prst="ellipse">
+            <a:avLst/>
+          </a:prstGeom>
+          <a:solidFill>
+            <a:schemeClr val="bg1"/>
+          </a:solidFill>
+          <a:ln w="28575">
+            <a:solidFill>
+              <a:srgbClr val="00B0F0"/>
+            </a:solidFill>
+          </a:ln>
+        </p:spPr>
+        <p:style>
+          <a:lnRef idx="2">
+            <a:schemeClr val="accent1">
+              <a:shade val="50000"/>
+            </a:schemeClr>
+          </a:lnRef>
+          <a:fillRef idx="1">
+            <a:schemeClr val="accent1"/>
+          </a:fillRef>
+          <a:effectRef idx="0">
+            <a:schemeClr val="accent1"/>
+          </a:effectRef>
+          <a:fontRef idx="minor">
+            <a:schemeClr val="lt1"/>
+          </a:fontRef>
+        </p:style>
+        <p:txBody>
+          <a:bodyPr rtlCol="0" anchor="ctr"/>
+          <a:lstStyle/>
+          <a:p>
+            <a:pPr algn="ctr"/>
+            <a:endParaRPr lang="es-ES"/>
+          </a:p>
+        </p:txBody>
+      </p:sp>
+      <p:sp>
+        <p:nvSpPr>
+          <p:cNvPr id="16" name="CuadroTexto 15">
+            <a:extLst>
+              <a:ext uri="{FF2B5EF4-FFF2-40B4-BE49-F238E27FC236}">
+                <a16:creationId xmlns:a16="http://schemas.microsoft.com/office/drawing/2014/main" id="{35652059-686B-4C2B-8A5D-E67C091BCA74}"/>
+              </a:ext>
+            </a:extLst>
+          </p:cNvPr>
+          <p:cNvSpPr txBox="1"/>
+          <p:nvPr/>
+        </p:nvSpPr>
+        <p:spPr>
+          <a:xfrm>
+            <a:off x="1305398" y="1645260"/>
+            <a:ext cx="376238" cy="307777"/>
+          </a:xfrm>
+          <a:prstGeom prst="rect">
+            <a:avLst/>
+          </a:prstGeom>
+          <a:noFill/>
+        </p:spPr>
+        <p:txBody>
+          <a:bodyPr wrap="square" rtlCol="0">
+            <a:spAutoFit/>
+          </a:bodyPr>
+          <a:lstStyle/>
+          <a:p>
+            <a:r>
+              <a:rPr lang="es-ES" sz="1400" dirty="0">
+                <a:solidFill>
+                  <a:srgbClr val="00B0F0"/>
+                </a:solidFill>
+              </a:rPr>
+              <a:t>S1</a:t>
+            </a:r>
+          </a:p>
+        </p:txBody>
+      </p:sp>
+      <p:sp>
+        <p:nvSpPr>
+          <p:cNvPr id="17" name="CuadroTexto 16">
+            <a:extLst>
+              <a:ext uri="{FF2B5EF4-FFF2-40B4-BE49-F238E27FC236}">
+                <a16:creationId xmlns:a16="http://schemas.microsoft.com/office/drawing/2014/main" id="{0611A2FD-AC55-4B67-BC89-264CF1A7D2A5}"/>
+              </a:ext>
+            </a:extLst>
+          </p:cNvPr>
+          <p:cNvSpPr txBox="1"/>
+          <p:nvPr/>
+        </p:nvSpPr>
+        <p:spPr>
+          <a:xfrm>
+            <a:off x="2742012" y="1635396"/>
+            <a:ext cx="376238" cy="307777"/>
+          </a:xfrm>
+          <a:prstGeom prst="rect">
+            <a:avLst/>
+          </a:prstGeom>
+          <a:noFill/>
+        </p:spPr>
+        <p:txBody>
+          <a:bodyPr wrap="square" rtlCol="0">
+            <a:spAutoFit/>
+          </a:bodyPr>
+          <a:lstStyle/>
+          <a:p>
+            <a:r>
+              <a:rPr lang="es-ES" sz="1400" dirty="0">
+                <a:solidFill>
+                  <a:srgbClr val="00B0F0"/>
+                </a:solidFill>
+              </a:rPr>
+              <a:t>S2</a:t>
+            </a:r>
+          </a:p>
+        </p:txBody>
+      </p:sp>
+      <p:sp>
+        <p:nvSpPr>
+          <p:cNvPr id="18" name="CuadroTexto 17">
+            <a:extLst>
+              <a:ext uri="{FF2B5EF4-FFF2-40B4-BE49-F238E27FC236}">
+                <a16:creationId xmlns:a16="http://schemas.microsoft.com/office/drawing/2014/main" id="{3E887AE9-2381-4254-9C5E-E386B7135B6D}"/>
+              </a:ext>
+            </a:extLst>
+          </p:cNvPr>
+          <p:cNvSpPr txBox="1"/>
+          <p:nvPr/>
+        </p:nvSpPr>
+        <p:spPr>
+          <a:xfrm>
+            <a:off x="3547421" y="1534894"/>
+            <a:ext cx="376238" cy="307777"/>
+          </a:xfrm>
+          <a:prstGeom prst="rect">
+            <a:avLst/>
+          </a:prstGeom>
+          <a:noFill/>
+        </p:spPr>
+        <p:txBody>
+          <a:bodyPr wrap="square" rtlCol="0">
+            <a:spAutoFit/>
+          </a:bodyPr>
+          <a:lstStyle/>
+          <a:p>
+            <a:r>
+              <a:rPr lang="es-ES" sz="1400" dirty="0">
+                <a:solidFill>
+                  <a:srgbClr val="00B0F0"/>
+                </a:solidFill>
+              </a:rPr>
+              <a:t>S3</a:t>
+            </a:r>
+          </a:p>
+        </p:txBody>
+      </p:sp>
+      <p:sp>
+        <p:nvSpPr>
+          <p:cNvPr id="19" name="CuadroTexto 18">
+            <a:extLst>
+              <a:ext uri="{FF2B5EF4-FFF2-40B4-BE49-F238E27FC236}">
+                <a16:creationId xmlns:a16="http://schemas.microsoft.com/office/drawing/2014/main" id="{2AB783C4-D0BF-4083-9B22-4DD24874ADB6}"/>
+              </a:ext>
+            </a:extLst>
+          </p:cNvPr>
+          <p:cNvSpPr txBox="1"/>
+          <p:nvPr/>
+        </p:nvSpPr>
+        <p:spPr>
+          <a:xfrm>
+            <a:off x="6096000" y="2867620"/>
+            <a:ext cx="5651000" cy="1508105"/>
+          </a:xfrm>
+          <a:prstGeom prst="rect">
+            <a:avLst/>
+          </a:prstGeom>
+          <a:noFill/>
+        </p:spPr>
+        <p:txBody>
+          <a:bodyPr wrap="square" rtlCol="0">
+            <a:spAutoFit/>
+          </a:bodyPr>
+          <a:lstStyle/>
+          <a:p>
+            <a:r>
+              <a:rPr lang="en-US" sz="2000" dirty="0">
+                <a:latin typeface="+mj-lt"/>
+                <a:ea typeface="+mj-ea"/>
+                <a:cs typeface="+mj-cs"/>
+              </a:rPr>
+              <a:t>change order: </a:t>
+            </a:r>
+            <a:r>
+              <a:rPr lang="en-US" sz="1600" dirty="0">
+                <a:latin typeface="Ubuntu" panose="020B0504030602030204" pitchFamily="34" charset="0"/>
+                <a:ea typeface="+mj-ea"/>
+                <a:cs typeface="+mj-cs"/>
+              </a:rPr>
+              <a:t>modify index in the track object, recompute links</a:t>
+            </a:r>
+          </a:p>
+          <a:p>
+            <a:r>
+              <a:rPr lang="en-US" sz="1600" dirty="0">
+                <a:latin typeface="Ubuntu" panose="020B0504030602030204" pitchFamily="34" charset="0"/>
+                <a:ea typeface="+mj-ea"/>
+                <a:cs typeface="+mj-cs"/>
+              </a:rPr>
+              <a:t>Note: reloading the page would not be needed anymore.</a:t>
+            </a:r>
+          </a:p>
+          <a:p>
+            <a:endParaRPr lang="en-US" sz="2000" dirty="0">
+              <a:latin typeface="+mj-lt"/>
+              <a:ea typeface="+mj-ea"/>
+              <a:cs typeface="+mj-cs"/>
+            </a:endParaRPr>
+          </a:p>
+          <a:p>
+            <a:r>
+              <a:rPr lang="en-US" sz="2000" dirty="0">
+                <a:latin typeface="+mj-lt"/>
+                <a:ea typeface="+mj-ea"/>
+                <a:cs typeface="+mj-cs"/>
+              </a:rPr>
+              <a:t>split segment: </a:t>
+            </a:r>
+            <a:r>
+              <a:rPr lang="en-US" sz="1600" dirty="0">
+                <a:latin typeface="Ubuntu" panose="020B0504030602030204" pitchFamily="34" charset="0"/>
+                <a:ea typeface="+mj-ea"/>
+                <a:cs typeface="+mj-cs"/>
+              </a:rPr>
+              <a:t>N/A</a:t>
+            </a:r>
+          </a:p>
+        </p:txBody>
+      </p:sp>
+    </p:spTree>
+    <p:extLst>
+      <p:ext uri="{BB962C8B-B14F-4D97-AF65-F5344CB8AC3E}">
+        <p14:creationId xmlns:p14="http://schemas.microsoft.com/office/powerpoint/2010/main" val="2371222994"/>
+      </p:ext>
+    </p:extLst>
+  </p:cSld>
+  <p:clrMapOvr>
+    <a:masterClrMapping/>
+  </p:clrMapOvr>
+</p:sld>
+</file>
+
+<file path=ppt/slides/slide4.xml><?xml version="1.0" encoding="utf-8"?>
+<p:sld xmlns:a="http://schemas.openxmlformats.org/drawingml/2006/main" xmlns:r="http://schemas.openxmlformats.org/officeDocument/2006/relationships" xmlns:p="http://schemas.openxmlformats.org/presentationml/2006/main">
+  <p:cSld>
+    <p:spTree>
+      <p:nvGrpSpPr>
+        <p:cNvPr id="1" name=""/>
+        <p:cNvGrpSpPr/>
+        <p:nvPr/>
+      </p:nvGrpSpPr>
+      <p:grpSpPr>
+        <a:xfrm>
+          <a:off x="0" y="0"/>
+          <a:ext cx="0" cy="0"/>
+          <a:chOff x="0" y="0"/>
+          <a:chExt cx="0" cy="0"/>
+        </a:xfrm>
+      </p:grpSpPr>
+      <p:sp>
+        <p:nvSpPr>
+          <p:cNvPr id="31" name="Título 1">
+            <a:extLst>
+              <a:ext uri="{FF2B5EF4-FFF2-40B4-BE49-F238E27FC236}">
+                <a16:creationId xmlns:a16="http://schemas.microsoft.com/office/drawing/2014/main" id="{2018646D-61A2-439E-9CA5-8DF2094220E8}"/>
+              </a:ext>
+            </a:extLst>
+          </p:cNvPr>
+          <p:cNvSpPr txBox="1">
+            <a:spLocks/>
+          </p:cNvSpPr>
+          <p:nvPr/>
+        </p:nvSpPr>
+        <p:spPr>
+          <a:xfrm>
+            <a:off x="231185" y="184558"/>
+            <a:ext cx="5098410" cy="933589"/>
+          </a:xfrm>
+          <a:prstGeom prst="rect">
+            <a:avLst/>
+          </a:prstGeom>
+        </p:spPr>
+        <p:txBody>
+          <a:bodyPr vert="horz" lIns="91440" tIns="45720" rIns="91440" bIns="45720" rtlCol="0" anchor="b">
+            <a:normAutofit fontScale="77500" lnSpcReduction="20000"/>
+          </a:bodyPr>
+          <a:lstStyle>
+            <a:lvl1pPr algn="ctr" defTabSz="914400" rtl="0" eaLnBrk="1" latinLnBrk="0" hangingPunct="1">
+              <a:lnSpc>
+                <a:spcPct val="90000"/>
+              </a:lnSpc>
+              <a:spcBef>
+                <a:spcPct val="0"/>
+              </a:spcBef>
+              <a:buNone/>
+              <a:defRPr sz="6000" kern="1200">
+                <a:solidFill>
+                  <a:schemeClr val="tx1"/>
+                </a:solidFill>
+                <a:latin typeface="+mj-lt"/>
+                <a:ea typeface="+mj-ea"/>
+                <a:cs typeface="+mj-cs"/>
+              </a:defRPr>
+            </a:lvl1pPr>
+          </a:lstStyle>
+          <a:p>
+            <a:pPr algn="l"/>
+            <a:r>
+              <a:rPr lang="es-ES" dirty="0" err="1"/>
+              <a:t>update</a:t>
+            </a:r>
+            <a:r>
+              <a:rPr lang="es-ES" dirty="0"/>
+              <a:t> </a:t>
+            </a:r>
+            <a:r>
+              <a:rPr lang="es-ES" dirty="0" err="1"/>
+              <a:t>distance</a:t>
+            </a:r>
+            <a:r>
+              <a:rPr lang="es-ES" dirty="0"/>
+              <a:t> #76</a:t>
+            </a:r>
+          </a:p>
+        </p:txBody>
+      </p:sp>
+      <p:sp>
+        <p:nvSpPr>
+          <p:cNvPr id="2" name="CuadroTexto 1">
+            <a:extLst>
+              <a:ext uri="{FF2B5EF4-FFF2-40B4-BE49-F238E27FC236}">
+                <a16:creationId xmlns:a16="http://schemas.microsoft.com/office/drawing/2014/main" id="{87E089A6-D312-41C6-80B6-AD0D14714663}"/>
+              </a:ext>
+            </a:extLst>
+          </p:cNvPr>
+          <p:cNvSpPr txBox="1"/>
+          <p:nvPr/>
+        </p:nvSpPr>
+        <p:spPr>
+          <a:xfrm>
+            <a:off x="6096000" y="532374"/>
+            <a:ext cx="4969052" cy="1169551"/>
+          </a:xfrm>
+          <a:prstGeom prst="rect">
+            <a:avLst/>
+          </a:prstGeom>
+          <a:noFill/>
+        </p:spPr>
+        <p:txBody>
+          <a:bodyPr wrap="square" rtlCol="0">
+            <a:spAutoFit/>
+          </a:bodyPr>
+          <a:lstStyle/>
+          <a:p>
+            <a:r>
+              <a:rPr lang="en-US" sz="2200" dirty="0">
+                <a:latin typeface="+mj-lt"/>
+                <a:ea typeface="+mj-ea"/>
+                <a:cs typeface="+mj-cs"/>
+              </a:rPr>
+              <a:t>Description</a:t>
+            </a:r>
+          </a:p>
+          <a:p>
+            <a:r>
+              <a:rPr lang="en-US" sz="1600" dirty="0">
+                <a:latin typeface="Ubuntu" panose="020B0504030602030204" pitchFamily="34" charset="0"/>
+                <a:ea typeface="+mj-ea"/>
+                <a:cs typeface="+mj-cs"/>
+              </a:rPr>
+              <a:t>Issue #76 may be solved by using a richer track structure. Which also contains the distance to the extreme of each segment.</a:t>
+            </a:r>
+          </a:p>
+        </p:txBody>
+      </p:sp>
+      <p:cxnSp>
+        <p:nvCxnSpPr>
+          <p:cNvPr id="5" name="Conector recto 4">
+            <a:extLst>
+              <a:ext uri="{FF2B5EF4-FFF2-40B4-BE49-F238E27FC236}">
+                <a16:creationId xmlns:a16="http://schemas.microsoft.com/office/drawing/2014/main" id="{66C11778-6EA0-486B-8EEF-F9A337C7ECBE}"/>
+              </a:ext>
+            </a:extLst>
+          </p:cNvPr>
+          <p:cNvCxnSpPr>
+            <a:cxnSpLocks/>
+            <a:stCxn id="9" idx="6"/>
+            <a:endCxn id="11" idx="3"/>
+          </p:cNvCxnSpPr>
+          <p:nvPr/>
+        </p:nvCxnSpPr>
+        <p:spPr>
+          <a:xfrm flipV="1">
+            <a:off x="2123390" y="1817671"/>
+            <a:ext cx="187626" cy="97615"/>
+          </a:xfrm>
+          <a:prstGeom prst="line">
+            <a:avLst/>
+          </a:prstGeom>
+          <a:ln w="28575">
+            <a:solidFill>
+              <a:schemeClr val="accent3">
+                <a:lumMod val="60000"/>
+                <a:lumOff val="40000"/>
+              </a:schemeClr>
+            </a:solidFill>
+          </a:ln>
+        </p:spPr>
+        <p:style>
+          <a:lnRef idx="1">
+            <a:schemeClr val="accent1"/>
+          </a:lnRef>
+          <a:fillRef idx="0">
+            <a:schemeClr val="accent1"/>
+          </a:fillRef>
+          <a:effectRef idx="0">
+            <a:schemeClr val="accent1"/>
+          </a:effectRef>
+          <a:fontRef idx="minor">
+            <a:schemeClr val="tx1"/>
+          </a:fontRef>
+        </p:style>
+      </p:cxnSp>
+      <p:cxnSp>
+        <p:nvCxnSpPr>
+          <p:cNvPr id="6" name="Conector recto 5">
+            <a:extLst>
+              <a:ext uri="{FF2B5EF4-FFF2-40B4-BE49-F238E27FC236}">
+                <a16:creationId xmlns:a16="http://schemas.microsoft.com/office/drawing/2014/main" id="{7C5C9B77-649F-4D56-8593-127CE23CC979}"/>
+              </a:ext>
+            </a:extLst>
+          </p:cNvPr>
+          <p:cNvCxnSpPr>
+            <a:cxnSpLocks/>
+            <a:stCxn id="14" idx="4"/>
+            <a:endCxn id="12" idx="0"/>
+          </p:cNvCxnSpPr>
+          <p:nvPr/>
+        </p:nvCxnSpPr>
+        <p:spPr>
+          <a:xfrm>
+            <a:off x="3308335" y="1764284"/>
+            <a:ext cx="159391" cy="288137"/>
+          </a:xfrm>
+          <a:prstGeom prst="line">
+            <a:avLst/>
+          </a:prstGeom>
+          <a:ln w="28575">
+            <a:solidFill>
+              <a:schemeClr val="accent3">
+                <a:lumMod val="60000"/>
+                <a:lumOff val="40000"/>
+              </a:schemeClr>
+            </a:solidFill>
+          </a:ln>
+        </p:spPr>
+        <p:style>
+          <a:lnRef idx="1">
+            <a:schemeClr val="accent1"/>
+          </a:lnRef>
+          <a:fillRef idx="0">
+            <a:schemeClr val="accent1"/>
+          </a:fillRef>
+          <a:effectRef idx="0">
+            <a:schemeClr val="accent1"/>
+          </a:effectRef>
+          <a:fontRef idx="minor">
+            <a:schemeClr val="tx1"/>
+          </a:fontRef>
+        </p:style>
+      </p:cxnSp>
+      <p:cxnSp>
+        <p:nvCxnSpPr>
+          <p:cNvPr id="7" name="Conector recto 6">
+            <a:extLst>
+              <a:ext uri="{FF2B5EF4-FFF2-40B4-BE49-F238E27FC236}">
+                <a16:creationId xmlns:a16="http://schemas.microsoft.com/office/drawing/2014/main" id="{14A3CE0E-6680-442E-8732-24D1F9436856}"/>
+              </a:ext>
+            </a:extLst>
+          </p:cNvPr>
+          <p:cNvCxnSpPr>
+            <a:cxnSpLocks/>
+            <a:endCxn id="9" idx="2"/>
+          </p:cNvCxnSpPr>
+          <p:nvPr/>
+        </p:nvCxnSpPr>
+        <p:spPr>
+          <a:xfrm flipV="1">
+            <a:off x="964311" y="1915286"/>
+            <a:ext cx="999688" cy="75502"/>
+          </a:xfrm>
+          <a:prstGeom prst="line">
+            <a:avLst/>
+          </a:prstGeom>
+          <a:ln w="28575">
+            <a:solidFill>
+              <a:srgbClr val="00B0F0"/>
+            </a:solidFill>
+          </a:ln>
+        </p:spPr>
+        <p:style>
+          <a:lnRef idx="1">
+            <a:schemeClr val="accent1"/>
+          </a:lnRef>
+          <a:fillRef idx="0">
+            <a:schemeClr val="accent1"/>
+          </a:fillRef>
+          <a:effectRef idx="0">
+            <a:schemeClr val="accent1"/>
+          </a:effectRef>
+          <a:fontRef idx="minor">
+            <a:schemeClr val="tx1"/>
+          </a:fontRef>
+        </p:style>
+      </p:cxnSp>
+      <p:sp>
+        <p:nvSpPr>
+          <p:cNvPr id="8" name="Elipse 7">
+            <a:extLst>
+              <a:ext uri="{FF2B5EF4-FFF2-40B4-BE49-F238E27FC236}">
+                <a16:creationId xmlns:a16="http://schemas.microsoft.com/office/drawing/2014/main" id="{120B4843-3470-46A5-9EA8-3AE4BA5EB11E}"/>
+              </a:ext>
+            </a:extLst>
+          </p:cNvPr>
+          <p:cNvSpPr/>
+          <p:nvPr/>
+        </p:nvSpPr>
+        <p:spPr>
+          <a:xfrm>
+            <a:off x="804920" y="1915286"/>
+            <a:ext cx="159391" cy="151002"/>
+          </a:xfrm>
+          <a:prstGeom prst="ellipse">
+            <a:avLst/>
+          </a:prstGeom>
+          <a:solidFill>
+            <a:schemeClr val="bg1"/>
+          </a:solidFill>
+          <a:ln w="28575">
+            <a:solidFill>
+              <a:srgbClr val="00B0F0"/>
+            </a:solidFill>
+          </a:ln>
+        </p:spPr>
+        <p:style>
+          <a:lnRef idx="2">
+            <a:schemeClr val="accent1">
+              <a:shade val="50000"/>
+            </a:schemeClr>
+          </a:lnRef>
+          <a:fillRef idx="1">
+            <a:schemeClr val="accent1"/>
+          </a:fillRef>
+          <a:effectRef idx="0">
+            <a:schemeClr val="accent1"/>
+          </a:effectRef>
+          <a:fontRef idx="minor">
+            <a:schemeClr val="lt1"/>
+          </a:fontRef>
+        </p:style>
+        <p:txBody>
+          <a:bodyPr rtlCol="0" anchor="ctr"/>
+          <a:lstStyle/>
+          <a:p>
+            <a:pPr algn="ctr"/>
+            <a:endParaRPr lang="es-ES"/>
+          </a:p>
+        </p:txBody>
+      </p:sp>
+      <p:sp>
+        <p:nvSpPr>
+          <p:cNvPr id="9" name="Elipse 8">
+            <a:extLst>
+              <a:ext uri="{FF2B5EF4-FFF2-40B4-BE49-F238E27FC236}">
+                <a16:creationId xmlns:a16="http://schemas.microsoft.com/office/drawing/2014/main" id="{1842583B-FC0F-4806-BD6A-CB66975CE962}"/>
+              </a:ext>
+            </a:extLst>
+          </p:cNvPr>
+          <p:cNvSpPr/>
+          <p:nvPr/>
+        </p:nvSpPr>
+        <p:spPr>
+          <a:xfrm>
+            <a:off x="1963999" y="1839785"/>
+            <a:ext cx="159391" cy="151002"/>
+          </a:xfrm>
+          <a:prstGeom prst="ellipse">
+            <a:avLst/>
+          </a:prstGeom>
+          <a:solidFill>
+            <a:schemeClr val="bg1"/>
+          </a:solidFill>
+          <a:ln w="28575">
+            <a:solidFill>
+              <a:srgbClr val="00B0F0"/>
+            </a:solidFill>
+          </a:ln>
+        </p:spPr>
+        <p:style>
+          <a:lnRef idx="2">
+            <a:schemeClr val="accent1">
+              <a:shade val="50000"/>
+            </a:schemeClr>
+          </a:lnRef>
+          <a:fillRef idx="1">
+            <a:schemeClr val="accent1"/>
+          </a:fillRef>
+          <a:effectRef idx="0">
+            <a:schemeClr val="accent1"/>
+          </a:effectRef>
+          <a:fontRef idx="minor">
+            <a:schemeClr val="lt1"/>
+          </a:fontRef>
+        </p:style>
+        <p:txBody>
+          <a:bodyPr rtlCol="0" anchor="ctr"/>
+          <a:lstStyle/>
+          <a:p>
+            <a:pPr algn="ctr"/>
+            <a:endParaRPr lang="es-ES"/>
+          </a:p>
+        </p:txBody>
+      </p:sp>
+      <p:cxnSp>
+        <p:nvCxnSpPr>
+          <p:cNvPr id="10" name="Conector recto 9">
+            <a:extLst>
+              <a:ext uri="{FF2B5EF4-FFF2-40B4-BE49-F238E27FC236}">
+                <a16:creationId xmlns:a16="http://schemas.microsoft.com/office/drawing/2014/main" id="{F4BB3F35-8784-4350-866A-91AC886F4326}"/>
+              </a:ext>
+            </a:extLst>
+          </p:cNvPr>
+          <p:cNvCxnSpPr>
+            <a:cxnSpLocks/>
+            <a:stCxn id="11" idx="6"/>
+            <a:endCxn id="12" idx="2"/>
+          </p:cNvCxnSpPr>
+          <p:nvPr/>
+        </p:nvCxnSpPr>
+        <p:spPr>
+          <a:xfrm>
+            <a:off x="2447065" y="1764284"/>
+            <a:ext cx="940965" cy="363638"/>
+          </a:xfrm>
+          <a:prstGeom prst="line">
+            <a:avLst/>
+          </a:prstGeom>
+          <a:ln w="28575">
+            <a:solidFill>
+              <a:srgbClr val="00B0F0"/>
+            </a:solidFill>
+          </a:ln>
+        </p:spPr>
+        <p:style>
+          <a:lnRef idx="1">
+            <a:schemeClr val="accent1"/>
+          </a:lnRef>
+          <a:fillRef idx="0">
+            <a:schemeClr val="accent1"/>
+          </a:fillRef>
+          <a:effectRef idx="0">
+            <a:schemeClr val="accent1"/>
+          </a:effectRef>
+          <a:fontRef idx="minor">
+            <a:schemeClr val="tx1"/>
+          </a:fontRef>
+        </p:style>
+      </p:cxnSp>
+      <p:sp>
+        <p:nvSpPr>
+          <p:cNvPr id="11" name="Elipse 10">
+            <a:extLst>
+              <a:ext uri="{FF2B5EF4-FFF2-40B4-BE49-F238E27FC236}">
+                <a16:creationId xmlns:a16="http://schemas.microsoft.com/office/drawing/2014/main" id="{F1627A5F-B4CD-40D8-9D92-48B4F9C6FDF1}"/>
+              </a:ext>
+            </a:extLst>
+          </p:cNvPr>
+          <p:cNvSpPr/>
+          <p:nvPr/>
+        </p:nvSpPr>
+        <p:spPr>
+          <a:xfrm>
+            <a:off x="2287674" y="1688783"/>
+            <a:ext cx="159391" cy="151002"/>
+          </a:xfrm>
+          <a:prstGeom prst="ellipse">
+            <a:avLst/>
+          </a:prstGeom>
+          <a:solidFill>
+            <a:schemeClr val="bg1"/>
+          </a:solidFill>
+          <a:ln w="28575">
+            <a:solidFill>
+              <a:srgbClr val="00B0F0"/>
+            </a:solidFill>
+          </a:ln>
+        </p:spPr>
+        <p:style>
+          <a:lnRef idx="2">
+            <a:schemeClr val="accent1">
+              <a:shade val="50000"/>
+            </a:schemeClr>
+          </a:lnRef>
+          <a:fillRef idx="1">
+            <a:schemeClr val="accent1"/>
+          </a:fillRef>
+          <a:effectRef idx="0">
+            <a:schemeClr val="accent1"/>
+          </a:effectRef>
+          <a:fontRef idx="minor">
+            <a:schemeClr val="lt1"/>
+          </a:fontRef>
+        </p:style>
+        <p:txBody>
+          <a:bodyPr rtlCol="0" anchor="ctr"/>
+          <a:lstStyle/>
+          <a:p>
+            <a:pPr algn="ctr"/>
+            <a:endParaRPr lang="es-ES"/>
+          </a:p>
+        </p:txBody>
+      </p:sp>
+      <p:sp>
+        <p:nvSpPr>
+          <p:cNvPr id="12" name="Elipse 11">
+            <a:extLst>
+              <a:ext uri="{FF2B5EF4-FFF2-40B4-BE49-F238E27FC236}">
+                <a16:creationId xmlns:a16="http://schemas.microsoft.com/office/drawing/2014/main" id="{E0BDB125-AD91-4B55-A10A-99C1E88E68F4}"/>
+              </a:ext>
+            </a:extLst>
+          </p:cNvPr>
+          <p:cNvSpPr/>
+          <p:nvPr/>
+        </p:nvSpPr>
+        <p:spPr>
+          <a:xfrm>
+            <a:off x="3388030" y="2052421"/>
+            <a:ext cx="159391" cy="151002"/>
+          </a:xfrm>
+          <a:prstGeom prst="ellipse">
+            <a:avLst/>
+          </a:prstGeom>
+          <a:solidFill>
+            <a:schemeClr val="bg1"/>
+          </a:solidFill>
+          <a:ln w="28575">
+            <a:solidFill>
+              <a:srgbClr val="00B0F0"/>
+            </a:solidFill>
+          </a:ln>
+        </p:spPr>
+        <p:style>
+          <a:lnRef idx="2">
+            <a:schemeClr val="accent1">
+              <a:shade val="50000"/>
+            </a:schemeClr>
+          </a:lnRef>
+          <a:fillRef idx="1">
+            <a:schemeClr val="accent1"/>
+          </a:fillRef>
+          <a:effectRef idx="0">
+            <a:schemeClr val="accent1"/>
+          </a:effectRef>
+          <a:fontRef idx="minor">
+            <a:schemeClr val="lt1"/>
+          </a:fontRef>
+        </p:style>
+        <p:txBody>
+          <a:bodyPr rtlCol="0" anchor="ctr"/>
+          <a:lstStyle/>
+          <a:p>
+            <a:pPr algn="ctr"/>
+            <a:endParaRPr lang="es-ES"/>
+          </a:p>
+        </p:txBody>
+      </p:sp>
+      <p:cxnSp>
+        <p:nvCxnSpPr>
+          <p:cNvPr id="13" name="Conector recto 12">
+            <a:extLst>
+              <a:ext uri="{FF2B5EF4-FFF2-40B4-BE49-F238E27FC236}">
+                <a16:creationId xmlns:a16="http://schemas.microsoft.com/office/drawing/2014/main" id="{84465C41-CB5A-4241-AADC-FC67577C6DE5}"/>
+              </a:ext>
+            </a:extLst>
+          </p:cNvPr>
+          <p:cNvCxnSpPr>
+            <a:cxnSpLocks/>
+            <a:stCxn id="14" idx="7"/>
+            <a:endCxn id="15" idx="2"/>
+          </p:cNvCxnSpPr>
+          <p:nvPr/>
+        </p:nvCxnSpPr>
+        <p:spPr>
+          <a:xfrm flipV="1">
+            <a:off x="3364688" y="1440025"/>
+            <a:ext cx="528080" cy="195371"/>
+          </a:xfrm>
+          <a:prstGeom prst="line">
+            <a:avLst/>
+          </a:prstGeom>
+          <a:ln w="28575">
+            <a:solidFill>
+              <a:srgbClr val="00B0F0"/>
+            </a:solidFill>
+          </a:ln>
+        </p:spPr>
+        <p:style>
+          <a:lnRef idx="1">
+            <a:schemeClr val="accent1"/>
+          </a:lnRef>
+          <a:fillRef idx="0">
+            <a:schemeClr val="accent1"/>
+          </a:fillRef>
+          <a:effectRef idx="0">
+            <a:schemeClr val="accent1"/>
+          </a:effectRef>
+          <a:fontRef idx="minor">
+            <a:schemeClr val="tx1"/>
+          </a:fontRef>
+        </p:style>
+      </p:cxnSp>
+      <p:sp>
+        <p:nvSpPr>
+          <p:cNvPr id="14" name="Elipse 13">
+            <a:extLst>
+              <a:ext uri="{FF2B5EF4-FFF2-40B4-BE49-F238E27FC236}">
+                <a16:creationId xmlns:a16="http://schemas.microsoft.com/office/drawing/2014/main" id="{0464792B-FC0A-4EF1-9D39-29DD44B69951}"/>
+              </a:ext>
+            </a:extLst>
+          </p:cNvPr>
+          <p:cNvSpPr/>
+          <p:nvPr/>
+        </p:nvSpPr>
+        <p:spPr>
+          <a:xfrm>
+            <a:off x="3228639" y="1613282"/>
+            <a:ext cx="159391" cy="151002"/>
+          </a:xfrm>
+          <a:prstGeom prst="ellipse">
+            <a:avLst/>
+          </a:prstGeom>
+          <a:solidFill>
+            <a:schemeClr val="bg1"/>
+          </a:solidFill>
+          <a:ln w="28575">
+            <a:solidFill>
+              <a:srgbClr val="00B0F0"/>
+            </a:solidFill>
+          </a:ln>
+        </p:spPr>
+        <p:style>
+          <a:lnRef idx="2">
+            <a:schemeClr val="accent1">
+              <a:shade val="50000"/>
+            </a:schemeClr>
+          </a:lnRef>
+          <a:fillRef idx="1">
+            <a:schemeClr val="accent1"/>
+          </a:fillRef>
+          <a:effectRef idx="0">
+            <a:schemeClr val="accent1"/>
+          </a:effectRef>
+          <a:fontRef idx="minor">
+            <a:schemeClr val="lt1"/>
+          </a:fontRef>
+        </p:style>
+        <p:txBody>
+          <a:bodyPr rtlCol="0" anchor="ctr"/>
+          <a:lstStyle/>
+          <a:p>
+            <a:pPr algn="ctr"/>
+            <a:endParaRPr lang="es-ES"/>
+          </a:p>
+        </p:txBody>
+      </p:sp>
+      <p:sp>
+        <p:nvSpPr>
+          <p:cNvPr id="15" name="Elipse 14">
+            <a:extLst>
+              <a:ext uri="{FF2B5EF4-FFF2-40B4-BE49-F238E27FC236}">
+                <a16:creationId xmlns:a16="http://schemas.microsoft.com/office/drawing/2014/main" id="{C118A9F9-8F7E-460E-BEFC-6B415D22CACC}"/>
+              </a:ext>
+            </a:extLst>
+          </p:cNvPr>
+          <p:cNvSpPr/>
+          <p:nvPr/>
+        </p:nvSpPr>
+        <p:spPr>
+          <a:xfrm>
+            <a:off x="3892768" y="1364524"/>
+            <a:ext cx="159391" cy="151002"/>
+          </a:xfrm>
+          <a:prstGeom prst="ellipse">
+            <a:avLst/>
+          </a:prstGeom>
+          <a:solidFill>
+            <a:schemeClr val="bg1"/>
+          </a:solidFill>
+          <a:ln w="28575">
+            <a:solidFill>
+              <a:srgbClr val="00B0F0"/>
+            </a:solidFill>
+          </a:ln>
+        </p:spPr>
+        <p:style>
+          <a:lnRef idx="2">
+            <a:schemeClr val="accent1">
+              <a:shade val="50000"/>
+            </a:schemeClr>
+          </a:lnRef>
+          <a:fillRef idx="1">
+            <a:schemeClr val="accent1"/>
+          </a:fillRef>
+          <a:effectRef idx="0">
+            <a:schemeClr val="accent1"/>
+          </a:effectRef>
+          <a:fontRef idx="minor">
+            <a:schemeClr val="lt1"/>
+          </a:fontRef>
+        </p:style>
+        <p:txBody>
+          <a:bodyPr rtlCol="0" anchor="ctr"/>
+          <a:lstStyle/>
+          <a:p>
+            <a:pPr algn="ctr"/>
+            <a:endParaRPr lang="es-ES"/>
+          </a:p>
+        </p:txBody>
+      </p:sp>
+      <p:sp>
+        <p:nvSpPr>
+          <p:cNvPr id="16" name="CuadroTexto 15">
+            <a:extLst>
+              <a:ext uri="{FF2B5EF4-FFF2-40B4-BE49-F238E27FC236}">
+                <a16:creationId xmlns:a16="http://schemas.microsoft.com/office/drawing/2014/main" id="{45597196-0F2D-46F2-BECC-E79BC3008457}"/>
+              </a:ext>
+            </a:extLst>
+          </p:cNvPr>
+          <p:cNvSpPr txBox="1"/>
+          <p:nvPr/>
+        </p:nvSpPr>
+        <p:spPr>
+          <a:xfrm>
+            <a:off x="1305398" y="1645260"/>
+            <a:ext cx="376238" cy="307777"/>
+          </a:xfrm>
+          <a:prstGeom prst="rect">
+            <a:avLst/>
+          </a:prstGeom>
+          <a:noFill/>
+        </p:spPr>
+        <p:txBody>
+          <a:bodyPr wrap="square" rtlCol="0">
+            <a:spAutoFit/>
+          </a:bodyPr>
+          <a:lstStyle/>
+          <a:p>
+            <a:r>
+              <a:rPr lang="es-ES" sz="1400" dirty="0">
+                <a:solidFill>
+                  <a:srgbClr val="00B0F0"/>
+                </a:solidFill>
+              </a:rPr>
+              <a:t>S1</a:t>
+            </a:r>
+          </a:p>
+        </p:txBody>
+      </p:sp>
+      <p:sp>
+        <p:nvSpPr>
+          <p:cNvPr id="17" name="CuadroTexto 16">
+            <a:extLst>
+              <a:ext uri="{FF2B5EF4-FFF2-40B4-BE49-F238E27FC236}">
+                <a16:creationId xmlns:a16="http://schemas.microsoft.com/office/drawing/2014/main" id="{B816283D-650E-4227-B734-6042CF25C9A4}"/>
+              </a:ext>
+            </a:extLst>
+          </p:cNvPr>
+          <p:cNvSpPr txBox="1"/>
+          <p:nvPr/>
+        </p:nvSpPr>
+        <p:spPr>
+          <a:xfrm>
+            <a:off x="2742012" y="1635396"/>
+            <a:ext cx="376238" cy="307777"/>
+          </a:xfrm>
+          <a:prstGeom prst="rect">
+            <a:avLst/>
+          </a:prstGeom>
+          <a:noFill/>
+        </p:spPr>
+        <p:txBody>
+          <a:bodyPr wrap="square" rtlCol="0">
+            <a:spAutoFit/>
+          </a:bodyPr>
+          <a:lstStyle/>
+          <a:p>
+            <a:r>
+              <a:rPr lang="es-ES" sz="1400" dirty="0">
+                <a:solidFill>
+                  <a:srgbClr val="00B0F0"/>
+                </a:solidFill>
+              </a:rPr>
+              <a:t>S2</a:t>
+            </a:r>
+          </a:p>
+        </p:txBody>
+      </p:sp>
+      <p:sp>
+        <p:nvSpPr>
+          <p:cNvPr id="18" name="CuadroTexto 17">
+            <a:extLst>
+              <a:ext uri="{FF2B5EF4-FFF2-40B4-BE49-F238E27FC236}">
+                <a16:creationId xmlns:a16="http://schemas.microsoft.com/office/drawing/2014/main" id="{7767912F-1CF6-4DBA-A4E6-093012C1BA0A}"/>
+              </a:ext>
+            </a:extLst>
+          </p:cNvPr>
+          <p:cNvSpPr txBox="1"/>
+          <p:nvPr/>
+        </p:nvSpPr>
+        <p:spPr>
+          <a:xfrm>
+            <a:off x="3547421" y="1534894"/>
+            <a:ext cx="376238" cy="307777"/>
+          </a:xfrm>
+          <a:prstGeom prst="rect">
+            <a:avLst/>
+          </a:prstGeom>
+          <a:noFill/>
+        </p:spPr>
+        <p:txBody>
+          <a:bodyPr wrap="square" rtlCol="0">
+            <a:spAutoFit/>
+          </a:bodyPr>
+          <a:lstStyle/>
+          <a:p>
+            <a:r>
+              <a:rPr lang="es-ES" sz="1400" dirty="0">
+                <a:solidFill>
+                  <a:srgbClr val="00B0F0"/>
+                </a:solidFill>
+              </a:rPr>
+              <a:t>S3</a:t>
+            </a:r>
+          </a:p>
+        </p:txBody>
+      </p:sp>
+      <p:sp>
+        <p:nvSpPr>
+          <p:cNvPr id="19" name="CuadroTexto 18">
+            <a:extLst>
+              <a:ext uri="{FF2B5EF4-FFF2-40B4-BE49-F238E27FC236}">
+                <a16:creationId xmlns:a16="http://schemas.microsoft.com/office/drawing/2014/main" id="{FC67093E-B9EC-44F8-81A0-F53B3B2A28B6}"/>
+              </a:ext>
+            </a:extLst>
+          </p:cNvPr>
+          <p:cNvSpPr txBox="1"/>
+          <p:nvPr/>
+        </p:nvSpPr>
+        <p:spPr>
+          <a:xfrm>
+            <a:off x="455409" y="2397948"/>
+            <a:ext cx="10925354" cy="2554545"/>
+          </a:xfrm>
+          <a:prstGeom prst="rect">
+            <a:avLst/>
+          </a:prstGeom>
+          <a:noFill/>
+        </p:spPr>
+        <p:txBody>
+          <a:bodyPr wrap="square" rtlCol="0">
+            <a:spAutoFit/>
+          </a:bodyPr>
+          <a:lstStyle/>
+          <a:p>
+            <a:r>
+              <a:rPr lang="es-ES" sz="1600" dirty="0">
+                <a:latin typeface="Ubuntu" panose="020B0504030602030204" pitchFamily="34" charset="0"/>
+              </a:rPr>
+              <a:t>/editor/</a:t>
+            </a:r>
+            <a:r>
+              <a:rPr lang="es-ES" sz="1600" dirty="0" err="1">
+                <a:latin typeface="Ubuntu" panose="020B0504030602030204" pitchFamily="34" charset="0"/>
+              </a:rPr>
+              <a:t>get_track</a:t>
+            </a:r>
+            <a:r>
+              <a:rPr lang="es-ES" sz="1600" dirty="0">
+                <a:latin typeface="Ubuntu" panose="020B0504030602030204" pitchFamily="34" charset="0"/>
+              </a:rPr>
+              <a:t> </a:t>
+            </a:r>
+            <a:r>
+              <a:rPr lang="es-ES" sz="1600" dirty="0">
+                <a:latin typeface="Ubuntu" panose="020B0504030602030204" pitchFamily="34" charset="0"/>
+                <a:sym typeface="Wingdings" panose="05000000000000000000" pitchFamily="2" charset="2"/>
+              </a:rPr>
+              <a:t></a:t>
+            </a:r>
+            <a:r>
+              <a:rPr lang="es-ES" sz="1600" dirty="0" err="1">
+                <a:latin typeface="Ubuntu" panose="020B0504030602030204" pitchFamily="34" charset="0"/>
+                <a:sym typeface="Wingdings" panose="05000000000000000000" pitchFamily="2" charset="2"/>
+              </a:rPr>
+              <a:t>track</a:t>
+            </a:r>
+            <a:r>
+              <a:rPr lang="es-ES" sz="1600" dirty="0">
+                <a:latin typeface="Ubuntu" panose="020B0504030602030204" pitchFamily="34" charset="0"/>
+                <a:sym typeface="Wingdings" panose="05000000000000000000" pitchFamily="2" charset="2"/>
+              </a:rPr>
+              <a:t> </a:t>
+            </a:r>
+            <a:r>
+              <a:rPr lang="es-ES" sz="1600" dirty="0" err="1">
+                <a:latin typeface="Ubuntu" panose="020B0504030602030204" pitchFamily="34" charset="0"/>
+                <a:sym typeface="Wingdings" panose="05000000000000000000" pitchFamily="2" charset="2"/>
+              </a:rPr>
+              <a:t>structure</a:t>
+            </a:r>
+            <a:endParaRPr lang="es-ES" sz="1600" dirty="0">
+              <a:latin typeface="Ubuntu" panose="020B0504030602030204" pitchFamily="34" charset="0"/>
+            </a:endParaRPr>
+          </a:p>
+          <a:p>
+            <a:r>
+              <a:rPr lang="es-ES" sz="1600" dirty="0">
+                <a:latin typeface="Ubuntu" panose="020B0504030602030204" pitchFamily="34" charset="0"/>
+              </a:rPr>
+              <a:t>{</a:t>
+            </a:r>
+            <a:r>
+              <a:rPr lang="es-ES" sz="1600" dirty="0" err="1">
+                <a:latin typeface="Ubuntu" panose="020B0504030602030204" pitchFamily="34" charset="0"/>
+              </a:rPr>
+              <a:t>title</a:t>
+            </a:r>
+            <a:r>
+              <a:rPr lang="es-ES" sz="1600" dirty="0">
+                <a:latin typeface="Ubuntu" panose="020B0504030602030204" pitchFamily="34" charset="0"/>
+              </a:rPr>
+              <a:t>: </a:t>
+            </a:r>
+            <a:r>
+              <a:rPr lang="es-ES" sz="1600" dirty="0" err="1">
+                <a:latin typeface="Ubuntu" panose="020B0504030602030204" pitchFamily="34" charset="0"/>
+              </a:rPr>
+              <a:t>my</a:t>
+            </a:r>
+            <a:r>
+              <a:rPr lang="es-ES" sz="1600" dirty="0">
+                <a:latin typeface="Ubuntu" panose="020B0504030602030204" pitchFamily="34" charset="0"/>
+              </a:rPr>
+              <a:t> </a:t>
+            </a:r>
+            <a:r>
+              <a:rPr lang="es-ES" sz="1600" dirty="0" err="1">
+                <a:latin typeface="Ubuntu" panose="020B0504030602030204" pitchFamily="34" charset="0"/>
+              </a:rPr>
+              <a:t>track</a:t>
+            </a:r>
+            <a:r>
+              <a:rPr lang="es-ES" sz="1600" dirty="0">
+                <a:latin typeface="Ubuntu" panose="020B0504030602030204" pitchFamily="34" charset="0"/>
+              </a:rPr>
+              <a:t>,</a:t>
+            </a:r>
+          </a:p>
+          <a:p>
+            <a:r>
+              <a:rPr lang="es-ES" sz="1600" dirty="0" err="1">
+                <a:latin typeface="Ubuntu" panose="020B0504030602030204" pitchFamily="34" charset="0"/>
+              </a:rPr>
+              <a:t>segments</a:t>
+            </a:r>
+            <a:r>
+              <a:rPr lang="es-ES" sz="1600" dirty="0">
+                <a:latin typeface="Ubuntu" panose="020B0504030602030204" pitchFamily="34" charset="0"/>
+              </a:rPr>
+              <a:t>: [</a:t>
+            </a:r>
+          </a:p>
+          <a:p>
+            <a:r>
+              <a:rPr lang="es-ES" sz="1600" dirty="0">
+                <a:latin typeface="Ubuntu" panose="020B0504030602030204" pitchFamily="34" charset="0"/>
+              </a:rPr>
+              <a:t>   {</a:t>
+            </a:r>
+            <a:r>
+              <a:rPr lang="es-ES" sz="1600" dirty="0" err="1">
+                <a:latin typeface="Ubuntu" panose="020B0504030602030204" pitchFamily="34" charset="0"/>
+              </a:rPr>
+              <a:t>name</a:t>
+            </a:r>
+            <a:r>
+              <a:rPr lang="es-ES" sz="1600" dirty="0">
+                <a:latin typeface="Ubuntu" panose="020B0504030602030204" pitchFamily="34" charset="0"/>
+              </a:rPr>
+              <a:t>: S1, </a:t>
+            </a:r>
+            <a:r>
+              <a:rPr lang="es-ES" sz="1600" dirty="0" err="1">
+                <a:latin typeface="Ubuntu" panose="020B0504030602030204" pitchFamily="34" charset="0"/>
+              </a:rPr>
+              <a:t>index</a:t>
+            </a:r>
+            <a:r>
+              <a:rPr lang="es-ES" sz="1600" dirty="0">
+                <a:latin typeface="Ubuntu" panose="020B0504030602030204" pitchFamily="34" charset="0"/>
+              </a:rPr>
+              <a:t>=1, </a:t>
+            </a:r>
+            <a:r>
+              <a:rPr lang="es-ES" sz="1600" dirty="0" err="1">
+                <a:latin typeface="Ubuntu" panose="020B0504030602030204" pitchFamily="34" charset="0"/>
+              </a:rPr>
+              <a:t>size</a:t>
+            </a:r>
+            <a:r>
+              <a:rPr lang="es-ES" sz="1600" dirty="0">
+                <a:latin typeface="Ubuntu" panose="020B0504030602030204" pitchFamily="34" charset="0"/>
+              </a:rPr>
+              <a:t>: 2, </a:t>
+            </a:r>
+            <a:r>
+              <a:rPr lang="es-ES" sz="1600" dirty="0" err="1">
+                <a:latin typeface="Ubuntu" panose="020B0504030602030204" pitchFamily="34" charset="0"/>
+              </a:rPr>
+              <a:t>lat</a:t>
+            </a:r>
+            <a:r>
+              <a:rPr lang="es-ES" sz="1600" dirty="0">
+                <a:latin typeface="Ubuntu" panose="020B0504030602030204" pitchFamily="34" charset="0"/>
+              </a:rPr>
+              <a:t>=[1, 2], </a:t>
+            </a:r>
+            <a:r>
+              <a:rPr lang="es-ES" sz="1600" dirty="0" err="1">
+                <a:latin typeface="Ubuntu" panose="020B0504030602030204" pitchFamily="34" charset="0"/>
+              </a:rPr>
+              <a:t>lon</a:t>
+            </a:r>
+            <a:r>
+              <a:rPr lang="es-ES" sz="1600" dirty="0">
+                <a:latin typeface="Ubuntu" panose="020B0504030602030204" pitchFamily="34" charset="0"/>
+              </a:rPr>
+              <a:t>=[1, 4], ele=[…], </a:t>
+            </a:r>
+            <a:r>
+              <a:rPr lang="es-ES" sz="1600" dirty="0" err="1">
+                <a:latin typeface="Ubuntu" panose="020B0504030602030204" pitchFamily="34" charset="0"/>
+              </a:rPr>
+              <a:t>distance_local</a:t>
+            </a:r>
+            <a:r>
+              <a:rPr lang="es-ES" sz="1600" dirty="0">
+                <a:latin typeface="Ubuntu" panose="020B0504030602030204" pitchFamily="34" charset="0"/>
+              </a:rPr>
+              <a:t>=[…], </a:t>
+            </a:r>
+          </a:p>
+          <a:p>
+            <a:r>
+              <a:rPr lang="es-ES" sz="1600" dirty="0">
+                <a:latin typeface="Ubuntu" panose="020B0504030602030204" pitchFamily="34" charset="0"/>
+              </a:rPr>
+              <a:t>    </a:t>
+            </a:r>
+            <a:r>
+              <a:rPr lang="es-ES" sz="1600" dirty="0" err="1">
+                <a:latin typeface="Ubuntu" panose="020B0504030602030204" pitchFamily="34" charset="0"/>
+              </a:rPr>
+              <a:t>distance_to_extremes</a:t>
+            </a:r>
+            <a:r>
+              <a:rPr lang="es-ES" sz="1600" dirty="0">
+                <a:latin typeface="Ubuntu" panose="020B0504030602030204" pitchFamily="34" charset="0"/>
+              </a:rPr>
+              <a:t>=[{</a:t>
+            </a:r>
+            <a:r>
+              <a:rPr lang="es-ES" sz="1600" dirty="0" err="1">
+                <a:latin typeface="Ubuntu" panose="020B0504030602030204" pitchFamily="34" charset="0"/>
+              </a:rPr>
+              <a:t>index</a:t>
+            </a:r>
+            <a:r>
+              <a:rPr lang="es-ES" sz="1600" dirty="0">
+                <a:latin typeface="Ubuntu" panose="020B0504030602030204" pitchFamily="34" charset="0"/>
+              </a:rPr>
+              <a:t>: 2, </a:t>
+            </a:r>
+            <a:r>
+              <a:rPr lang="es-ES" sz="1600" dirty="0" err="1">
+                <a:latin typeface="Ubuntu" panose="020B0504030602030204" pitchFamily="34" charset="0"/>
+              </a:rPr>
+              <a:t>distance_to_start</a:t>
+            </a:r>
+            <a:r>
+              <a:rPr lang="es-ES" sz="1600" dirty="0">
+                <a:latin typeface="Ubuntu" panose="020B0504030602030204" pitchFamily="34" charset="0"/>
+              </a:rPr>
+              <a:t>: 5, </a:t>
+            </a:r>
+            <a:r>
+              <a:rPr lang="es-ES" sz="1600" dirty="0" err="1">
+                <a:latin typeface="Ubuntu" panose="020B0504030602030204" pitchFamily="34" charset="0"/>
+              </a:rPr>
+              <a:t>distance_to_end</a:t>
+            </a:r>
+            <a:r>
+              <a:rPr lang="es-ES" sz="1600" dirty="0">
+                <a:latin typeface="Ubuntu" panose="020B0504030602030204" pitchFamily="34" charset="0"/>
+              </a:rPr>
+              <a:t>: 8}],</a:t>
+            </a:r>
+          </a:p>
+          <a:p>
+            <a:r>
+              <a:rPr lang="es-ES" sz="1600" dirty="0">
+                <a:latin typeface="Ubuntu" panose="020B0504030602030204" pitchFamily="34" charset="0"/>
+              </a:rPr>
+              <a:t>   {</a:t>
+            </a:r>
+            <a:r>
+              <a:rPr lang="es-ES" sz="1600" dirty="0" err="1">
+                <a:latin typeface="Ubuntu" panose="020B0504030602030204" pitchFamily="34" charset="0"/>
+              </a:rPr>
+              <a:t>name</a:t>
+            </a:r>
+            <a:r>
+              <a:rPr lang="es-ES" sz="1600" dirty="0">
+                <a:latin typeface="Ubuntu" panose="020B0504030602030204" pitchFamily="34" charset="0"/>
+              </a:rPr>
+              <a:t>: S2, </a:t>
+            </a:r>
+            <a:r>
+              <a:rPr lang="es-ES" sz="1600" dirty="0" err="1">
+                <a:latin typeface="Ubuntu" panose="020B0504030602030204" pitchFamily="34" charset="0"/>
+              </a:rPr>
+              <a:t>index</a:t>
+            </a:r>
+            <a:r>
+              <a:rPr lang="es-ES" sz="1600" dirty="0">
+                <a:latin typeface="Ubuntu" panose="020B0504030602030204" pitchFamily="34" charset="0"/>
+              </a:rPr>
+              <a:t>=2, …}, </a:t>
+            </a:r>
+          </a:p>
+          <a:p>
+            <a:r>
+              <a:rPr lang="es-ES" sz="1600" dirty="0">
+                <a:latin typeface="Ubuntu" panose="020B0504030602030204" pitchFamily="34" charset="0"/>
+              </a:rPr>
+              <a:t>   {</a:t>
+            </a:r>
+            <a:r>
+              <a:rPr lang="es-ES" sz="1600" dirty="0" err="1">
+                <a:latin typeface="Ubuntu" panose="020B0504030602030204" pitchFamily="34" charset="0"/>
+              </a:rPr>
+              <a:t>name</a:t>
+            </a:r>
+            <a:r>
+              <a:rPr lang="es-ES" sz="1600" dirty="0">
+                <a:latin typeface="Ubuntu" panose="020B0504030602030204" pitchFamily="34" charset="0"/>
+              </a:rPr>
+              <a:t>: S3, </a:t>
+            </a:r>
+            <a:r>
+              <a:rPr lang="es-ES" sz="1600" dirty="0" err="1">
+                <a:latin typeface="Ubuntu" panose="020B0504030602030204" pitchFamily="34" charset="0"/>
+              </a:rPr>
+              <a:t>index</a:t>
+            </a:r>
+            <a:r>
+              <a:rPr lang="es-ES" sz="1600" dirty="0">
+                <a:latin typeface="Ubuntu" panose="020B0504030602030204" pitchFamily="34" charset="0"/>
+              </a:rPr>
+              <a:t>=3, …},</a:t>
+            </a:r>
+          </a:p>
+          <a:p>
+            <a:r>
+              <a:rPr lang="es-ES" sz="1600" dirty="0">
+                <a:latin typeface="Ubuntu" panose="020B0504030602030204" pitchFamily="34" charset="0"/>
+              </a:rPr>
+              <a:t>],</a:t>
+            </a:r>
+          </a:p>
+          <a:p>
+            <a:r>
+              <a:rPr lang="es-ES" sz="1600" dirty="0" err="1">
+                <a:latin typeface="Ubuntu" panose="020B0504030602030204" pitchFamily="34" charset="0"/>
+              </a:rPr>
+              <a:t>map_center</a:t>
+            </a:r>
+            <a:r>
+              <a:rPr lang="es-ES" sz="1600" dirty="0">
+                <a:latin typeface="Ubuntu" panose="020B0504030602030204" pitchFamily="34" charset="0"/>
+              </a:rPr>
+              <a:t>: […],</a:t>
+            </a:r>
+          </a:p>
+          <a:p>
+            <a:r>
+              <a:rPr lang="es-ES" sz="1600" dirty="0" err="1">
+                <a:latin typeface="Ubuntu" panose="020B0504030602030204" pitchFamily="34" charset="0"/>
+              </a:rPr>
+              <a:t>map_zoom</a:t>
+            </a:r>
+            <a:r>
+              <a:rPr lang="es-ES" sz="1600" dirty="0">
+                <a:latin typeface="Ubuntu" panose="020B0504030602030204" pitchFamily="34" charset="0"/>
+              </a:rPr>
+              <a:t>: 14}</a:t>
+            </a:r>
+          </a:p>
+        </p:txBody>
+      </p:sp>
+    </p:spTree>
+    <p:extLst>
+      <p:ext uri="{BB962C8B-B14F-4D97-AF65-F5344CB8AC3E}">
+        <p14:creationId xmlns:p14="http://schemas.microsoft.com/office/powerpoint/2010/main" val="1900361303"/>
       </p:ext>
     </p:extLst>
   </p:cSld>
